--- a/docs/diagrams.pptx
+++ b/docs/diagrams.pptx
@@ -13,10 +13,10 @@
   <p:sldIdLst>
     <p:sldId id="298" r:id="rId5"/>
     <p:sldId id="299" r:id="rId6"/>
-    <p:sldId id="300" r:id="rId7"/>
-    <p:sldId id="301" r:id="rId8"/>
-    <p:sldId id="302" r:id="rId9"/>
-    <p:sldId id="303" r:id="rId10"/>
+    <p:sldId id="304" r:id="rId7"/>
+    <p:sldId id="305" r:id="rId8"/>
+    <p:sldId id="306" r:id="rId9"/>
+    <p:sldId id="307" r:id="rId10"/>
   </p:sldIdLst>
   <p:sldSz cx="14630400" cy="8229600"/>
   <p:notesSz cx="6858000" cy="9144000"/>
@@ -363,7 +363,7 @@
           <a:p>
             <a:fld id="{D2887149-AF03-6142-908A-3DD284EAF54B}" type="datetimeFigureOut">
               <a:rPr lang="en-US" smtClean="0"/>
-              <a:t>4/29/19</a:t>
+              <a:t>5/8/19</a:t>
             </a:fld>
             <a:endParaRPr lang="en-US"/>
           </a:p>
@@ -545,7 +545,7 @@
             <a:fld id="{0B25AC41-3BEC-9247-8322-91B80C013F2D}" type="datetimeFigureOut">
               <a:rPr lang="en-US" smtClean="0"/>
               <a:pPr/>
-              <a:t>4/29/19</a:t>
+              <a:t>5/8/19</a:t>
             </a:fld>
             <a:endParaRPr lang="en-US" dirty="0"/>
           </a:p>
@@ -977,7 +977,7 @@
     </p:spTree>
     <p:extLst>
       <p:ext uri="{BB962C8B-B14F-4D97-AF65-F5344CB8AC3E}">
-        <p14:creationId xmlns:p14="http://schemas.microsoft.com/office/powerpoint/2010/main" val="1468755907"/>
+        <p14:creationId xmlns:p14="http://schemas.microsoft.com/office/powerpoint/2010/main" val="1106147101"/>
       </p:ext>
     </p:extLst>
   </p:cSld>
@@ -1062,7 +1062,92 @@
     </p:spTree>
     <p:extLst>
       <p:ext uri="{BB962C8B-B14F-4D97-AF65-F5344CB8AC3E}">
-        <p14:creationId xmlns:p14="http://schemas.microsoft.com/office/powerpoint/2010/main" val="3628213144"/>
+        <p14:creationId xmlns:p14="http://schemas.microsoft.com/office/powerpoint/2010/main" val="309784315"/>
+      </p:ext>
+    </p:extLst>
+  </p:cSld>
+  <p:clrMapOvr>
+    <a:masterClrMapping/>
+  </p:clrMapOvr>
+</p:notes>
+</file>
+
+<file path=ppt/notesSlides/notesSlide4.xml><?xml version="1.0" encoding="utf-8"?>
+<p:notes xmlns:a="http://schemas.openxmlformats.org/drawingml/2006/main" xmlns:r="http://schemas.openxmlformats.org/officeDocument/2006/relationships" xmlns:p="http://schemas.openxmlformats.org/presentationml/2006/main">
+  <p:cSld>
+    <p:spTree>
+      <p:nvGrpSpPr>
+        <p:cNvPr id="1" name=""/>
+        <p:cNvGrpSpPr/>
+        <p:nvPr/>
+      </p:nvGrpSpPr>
+      <p:grpSpPr>
+        <a:xfrm>
+          <a:off x="0" y="0"/>
+          <a:ext cx="0" cy="0"/>
+          <a:chOff x="0" y="0"/>
+          <a:chExt cx="0" cy="0"/>
+        </a:xfrm>
+      </p:grpSpPr>
+      <p:sp>
+        <p:nvSpPr>
+          <p:cNvPr id="2" name="Slide Image Placeholder 1"/>
+          <p:cNvSpPr>
+            <a:spLocks noGrp="1" noRot="1" noChangeAspect="1"/>
+          </p:cNvSpPr>
+          <p:nvPr>
+            <p:ph type="sldImg"/>
+          </p:nvPr>
+        </p:nvSpPr>
+        <p:spPr/>
+      </p:sp>
+      <p:sp>
+        <p:nvSpPr>
+          <p:cNvPr id="3" name="Notes Placeholder 2"/>
+          <p:cNvSpPr>
+            <a:spLocks noGrp="1"/>
+          </p:cNvSpPr>
+          <p:nvPr>
+            <p:ph type="body" idx="1"/>
+          </p:nvPr>
+        </p:nvSpPr>
+        <p:spPr/>
+        <p:txBody>
+          <a:bodyPr/>
+          <a:lstStyle/>
+          <a:p>
+            <a:endParaRPr lang="en-US" dirty="0"/>
+          </a:p>
+        </p:txBody>
+      </p:sp>
+      <p:sp>
+        <p:nvSpPr>
+          <p:cNvPr id="4" name="Slide Number Placeholder 3"/>
+          <p:cNvSpPr>
+            <a:spLocks noGrp="1"/>
+          </p:cNvSpPr>
+          <p:nvPr>
+            <p:ph type="sldNum" sz="quarter" idx="5"/>
+          </p:nvPr>
+        </p:nvSpPr>
+        <p:spPr/>
+        <p:txBody>
+          <a:bodyPr/>
+          <a:lstStyle/>
+          <a:p>
+            <a:fld id="{69C3F2ED-74C5-7D4F-8560-0CC253E9A436}" type="slidenum">
+              <a:rPr lang="en-US" smtClean="0"/>
+              <a:pPr/>
+              <a:t>5</a:t>
+            </a:fld>
+            <a:endParaRPr lang="en-US" dirty="0"/>
+          </a:p>
+        </p:txBody>
+      </p:sp>
+    </p:spTree>
+    <p:extLst>
+      <p:ext uri="{BB962C8B-B14F-4D97-AF65-F5344CB8AC3E}">
+        <p14:creationId xmlns:p14="http://schemas.microsoft.com/office/powerpoint/2010/main" val="143901241"/>
       </p:ext>
     </p:extLst>
   </p:cSld>
@@ -11492,10 +11577,10 @@
       </p:grpSpPr>
       <p:pic>
         <p:nvPicPr>
-          <p:cNvPr id="2" name="Picture 1">
+          <p:cNvPr id="3" name="Picture 2">
             <a:extLst>
               <a:ext uri="{FF2B5EF4-FFF2-40B4-BE49-F238E27FC236}">
-                <a16:creationId xmlns:a16="http://schemas.microsoft.com/office/drawing/2014/main" id="{2375127B-CDE8-9543-AA2C-933DCB0A399C}"/>
+                <a16:creationId xmlns:a16="http://schemas.microsoft.com/office/drawing/2014/main" id="{C42F7B78-8604-3943-B225-4EF563C3B9E7}"/>
               </a:ext>
             </a:extLst>
           </p:cNvPr>
@@ -11512,8 +11597,8 @@
         </p:blipFill>
         <p:spPr>
           <a:xfrm>
-            <a:off x="295965" y="1610139"/>
-            <a:ext cx="14261303" cy="5088835"/>
+            <a:off x="107950" y="1187450"/>
+            <a:ext cx="14414500" cy="5854700"/>
           </a:xfrm>
           <a:prstGeom prst="rect">
             <a:avLst/>
@@ -11562,8 +11647,8 @@
         </p:nvSpPr>
         <p:spPr>
           <a:xfrm>
-            <a:off x="347870" y="3011557"/>
-            <a:ext cx="1679713" cy="526773"/>
+            <a:off x="273386" y="3420535"/>
+            <a:ext cx="1803770" cy="349955"/>
           </a:xfrm>
           <a:prstGeom prst="rect">
             <a:avLst/>
@@ -11619,7 +11704,7 @@
         </p:nvSpPr>
         <p:spPr>
           <a:xfrm>
-            <a:off x="295964" y="6826644"/>
+            <a:off x="273386" y="7289492"/>
             <a:ext cx="11601175" cy="461665"/>
           </a:xfrm>
           <a:prstGeom prst="rect">
@@ -11644,7 +11729,7 @@
                   <a:schemeClr val="accent1"/>
                 </a:solidFill>
               </a:rPr>
-              <a:t>Termination notice. Instances will stop at 4/29/2019, 1:28:32 PM (2 minutes later)</a:t>
+              <a:t>Termination notice. Instances will stop at 5/8/2019, 2:35:37 PM (2 minutes later)</a:t>
             </a:r>
           </a:p>
         </p:txBody>
@@ -11667,12 +11752,12 @@
         </p:nvCxnSpPr>
         <p:spPr>
           <a:xfrm rot="10800000" flipV="1">
-            <a:off x="295964" y="3274943"/>
-            <a:ext cx="51906" cy="3782533"/>
+            <a:off x="273386" y="3595513"/>
+            <a:ext cx="12700" cy="3924812"/>
           </a:xfrm>
           <a:prstGeom prst="bentConnector3">
             <a:avLst>
-              <a:gd name="adj1" fmla="val 540412"/>
+              <a:gd name="adj1" fmla="val 1800000"/>
             </a:avLst>
           </a:prstGeom>
           <a:ln w="38100">
@@ -11711,8 +11796,8 @@
         </p:nvSpPr>
         <p:spPr>
           <a:xfrm>
-            <a:off x="12929460" y="3011557"/>
-            <a:ext cx="1573940" cy="526773"/>
+            <a:off x="12568211" y="3420534"/>
+            <a:ext cx="1847699" cy="349956"/>
           </a:xfrm>
           <a:prstGeom prst="rect">
             <a:avLst/>
@@ -11768,7 +11853,7 @@
         </p:nvSpPr>
         <p:spPr>
           <a:xfrm>
-            <a:off x="10186978" y="1020804"/>
+            <a:off x="9825731" y="411098"/>
             <a:ext cx="2478156" cy="461665"/>
           </a:xfrm>
           <a:prstGeom prst="rect">
@@ -11816,8 +11901,8 @@
         </p:nvCxnSpPr>
         <p:spPr>
           <a:xfrm rot="10800000">
-            <a:off x="11426056" y="1482470"/>
-            <a:ext cx="1503404" cy="1792475"/>
+            <a:off x="11064809" y="872764"/>
+            <a:ext cx="1503402" cy="2722749"/>
           </a:xfrm>
           <a:prstGeom prst="bentConnector2">
             <a:avLst/>
@@ -11858,7 +11943,7 @@
         </p:nvSpPr>
         <p:spPr>
           <a:xfrm>
-            <a:off x="2356769" y="1605287"/>
+            <a:off x="2746238" y="1768732"/>
             <a:ext cx="872679" cy="526773"/>
           </a:xfrm>
           <a:prstGeom prst="rect">
@@ -11915,7 +12000,7 @@
         </p:nvSpPr>
         <p:spPr>
           <a:xfrm>
-            <a:off x="5545616" y="625658"/>
+            <a:off x="6002818" y="641931"/>
             <a:ext cx="1888854" cy="461665"/>
           </a:xfrm>
           <a:prstGeom prst="rect">
@@ -11963,8 +12048,8 @@
         </p:nvCxnSpPr>
         <p:spPr>
           <a:xfrm rot="5400000" flipH="1" flipV="1">
-            <a:off x="3794964" y="-145364"/>
-            <a:ext cx="748796" cy="2752507"/>
+            <a:off x="4144714" y="-89372"/>
+            <a:ext cx="895968" cy="2820240"/>
           </a:xfrm>
           <a:prstGeom prst="bentConnector2">
             <a:avLst/>
@@ -11994,7 +12079,7 @@
     </p:spTree>
     <p:extLst>
       <p:ext uri="{BB962C8B-B14F-4D97-AF65-F5344CB8AC3E}">
-        <p14:creationId xmlns:p14="http://schemas.microsoft.com/office/powerpoint/2010/main" val="891857972"/>
+        <p14:creationId xmlns:p14="http://schemas.microsoft.com/office/powerpoint/2010/main" val="1341157348"/>
       </p:ext>
     </p:extLst>
   </p:cSld>
@@ -12358,10 +12443,10 @@
       </p:grpSpPr>
       <p:pic>
         <p:nvPicPr>
-          <p:cNvPr id="2" name="Picture 1">
+          <p:cNvPr id="26" name="Picture 25">
             <a:extLst>
               <a:ext uri="{FF2B5EF4-FFF2-40B4-BE49-F238E27FC236}">
-                <a16:creationId xmlns:a16="http://schemas.microsoft.com/office/drawing/2014/main" id="{89C14147-AE4D-A74E-9C05-11D46A5915C4}"/>
+                <a16:creationId xmlns:a16="http://schemas.microsoft.com/office/drawing/2014/main" id="{053F0646-41E8-7E4F-BC03-610563B07776}"/>
               </a:ext>
             </a:extLst>
           </p:cNvPr>
@@ -12378,23 +12463,12 @@
         </p:blipFill>
         <p:spPr>
           <a:xfrm>
-            <a:off x="257903" y="2226365"/>
-            <a:ext cx="14151735" cy="3786809"/>
+            <a:off x="135467" y="2108200"/>
+            <a:ext cx="14404622" cy="4013200"/>
           </a:xfrm>
           <a:prstGeom prst="rect">
             <a:avLst/>
           </a:prstGeom>
-          <a:solidFill>
-            <a:schemeClr val="accent1">
-              <a:lumMod val="60000"/>
-              <a:lumOff val="40000"/>
-              <a:alpha val="28000"/>
-            </a:schemeClr>
-          </a:solidFill>
-          <a:ln w="38100">
-            <a:noFill/>
-          </a:ln>
-          <a:effectLst/>
         </p:spPr>
       </p:pic>
       <p:sp>
@@ -12431,7 +12505,7 @@
                   <a:schemeClr val="accent1"/>
                 </a:solidFill>
               </a:rPr>
-              <a:t>2 seconds after the termination notification, the lambda function is called</a:t>
+              <a:t>3 seconds after the termination notification, the lambda function is called</a:t>
             </a:r>
           </a:p>
         </p:txBody>
@@ -12450,8 +12524,8 @@
         </p:nvSpPr>
         <p:spPr>
           <a:xfrm rot="5400000">
-            <a:off x="220278" y="6454324"/>
-            <a:ext cx="1662122" cy="437321"/>
+            <a:off x="262650" y="6496696"/>
+            <a:ext cx="1577377" cy="437321"/>
           </a:xfrm>
           <a:prstGeom prst="bentUpArrow">
             <a:avLst>
@@ -12533,8 +12607,8 @@
         </p:nvSpPr>
         <p:spPr>
           <a:xfrm>
-            <a:off x="4765346" y="3532611"/>
-            <a:ext cx="5362904" cy="169440"/>
+            <a:off x="6429727" y="4429893"/>
+            <a:ext cx="7633743" cy="262851"/>
           </a:xfrm>
           <a:prstGeom prst="rect">
             <a:avLst/>
@@ -12578,10 +12652,10 @@
       </p:sp>
       <p:sp>
         <p:nvSpPr>
-          <p:cNvPr id="14" name="Rectangle 13">
+          <p:cNvPr id="18" name="Rectangle 17">
             <a:extLst>
               <a:ext uri="{FF2B5EF4-FFF2-40B4-BE49-F238E27FC236}">
-                <a16:creationId xmlns:a16="http://schemas.microsoft.com/office/drawing/2014/main" id="{C1C631E0-910C-504C-AF97-F5028E1A9116}"/>
+                <a16:creationId xmlns:a16="http://schemas.microsoft.com/office/drawing/2014/main" id="{A8604849-FD7E-2543-8F05-D3A252A54D8A}"/>
               </a:ext>
             </a:extLst>
           </p:cNvPr>
@@ -12590,8 +12664,8 @@
         </p:nvSpPr>
         <p:spPr>
           <a:xfrm>
-            <a:off x="4765346" y="4923577"/>
-            <a:ext cx="5362904" cy="169440"/>
+            <a:off x="2299429" y="4985403"/>
+            <a:ext cx="8097638" cy="263930"/>
           </a:xfrm>
           <a:prstGeom prst="rect">
             <a:avLst/>
@@ -12635,10 +12709,10 @@
       </p:sp>
       <p:sp>
         <p:nvSpPr>
-          <p:cNvPr id="15" name="Rectangle 14">
+          <p:cNvPr id="19" name="Rectangle 18">
             <a:extLst>
               <a:ext uri="{FF2B5EF4-FFF2-40B4-BE49-F238E27FC236}">
-                <a16:creationId xmlns:a16="http://schemas.microsoft.com/office/drawing/2014/main" id="{16C07743-A3FE-4141-AA54-C0F804668672}"/>
+                <a16:creationId xmlns:a16="http://schemas.microsoft.com/office/drawing/2014/main" id="{A852B129-DC1B-C04A-B760-DC218DFE0A09}"/>
               </a:ext>
             </a:extLst>
           </p:cNvPr>
@@ -12647,8 +12721,8 @@
         </p:nvSpPr>
         <p:spPr>
           <a:xfrm>
-            <a:off x="12156746" y="3532611"/>
-            <a:ext cx="1216354" cy="169440"/>
+            <a:off x="2918153" y="4734224"/>
+            <a:ext cx="2963357" cy="205227"/>
           </a:xfrm>
           <a:prstGeom prst="rect">
             <a:avLst/>
@@ -12692,10 +12766,10 @@
       </p:sp>
       <p:sp>
         <p:nvSpPr>
-          <p:cNvPr id="16" name="Rectangle 15">
+          <p:cNvPr id="22" name="Rectangle 21">
             <a:extLst>
               <a:ext uri="{FF2B5EF4-FFF2-40B4-BE49-F238E27FC236}">
-                <a16:creationId xmlns:a16="http://schemas.microsoft.com/office/drawing/2014/main" id="{D7E560FC-E631-9442-8367-254446B673E0}"/>
+                <a16:creationId xmlns:a16="http://schemas.microsoft.com/office/drawing/2014/main" id="{EDBB2F98-FDD2-5C45-AF68-A39A04E0FABF}"/>
               </a:ext>
             </a:extLst>
           </p:cNvPr>
@@ -12704,8 +12778,8 @@
         </p:nvSpPr>
         <p:spPr>
           <a:xfrm>
-            <a:off x="12156746" y="4923577"/>
-            <a:ext cx="1216354" cy="169440"/>
+            <a:off x="548640" y="3702051"/>
+            <a:ext cx="997938" cy="2224616"/>
           </a:xfrm>
           <a:prstGeom prst="rect">
             <a:avLst/>
@@ -12749,10 +12823,10 @@
       </p:sp>
       <p:sp>
         <p:nvSpPr>
-          <p:cNvPr id="17" name="Rectangle 16">
+          <p:cNvPr id="23" name="Rectangle 22">
             <a:extLst>
               <a:ext uri="{FF2B5EF4-FFF2-40B4-BE49-F238E27FC236}">
-                <a16:creationId xmlns:a16="http://schemas.microsoft.com/office/drawing/2014/main" id="{3EE0A559-1AF5-8F46-850A-0A2B147D01F7}"/>
+                <a16:creationId xmlns:a16="http://schemas.microsoft.com/office/drawing/2014/main" id="{F9B53797-4525-0C4E-82BC-A6CAAF403B93}"/>
               </a:ext>
             </a:extLst>
           </p:cNvPr>
@@ -12761,292 +12835,7 @@
         </p:nvSpPr>
         <p:spPr>
           <a:xfrm>
-            <a:off x="7921296" y="5139477"/>
-            <a:ext cx="5629604" cy="169440"/>
-          </a:xfrm>
-          <a:prstGeom prst="rect">
-            <a:avLst/>
-          </a:prstGeom>
-          <a:solidFill>
-            <a:schemeClr val="accent1">
-              <a:lumMod val="60000"/>
-              <a:lumOff val="40000"/>
-              <a:alpha val="28000"/>
-            </a:schemeClr>
-          </a:solidFill>
-          <a:ln w="38100">
-            <a:solidFill>
-              <a:schemeClr val="accent1"/>
-            </a:solidFill>
-          </a:ln>
-          <a:effectLst/>
-        </p:spPr>
-        <p:style>
-          <a:lnRef idx="1">
-            <a:schemeClr val="accent1"/>
-          </a:lnRef>
-          <a:fillRef idx="3">
-            <a:schemeClr val="accent1"/>
-          </a:fillRef>
-          <a:effectRef idx="2">
-            <a:schemeClr val="accent1"/>
-          </a:effectRef>
-          <a:fontRef idx="minor">
-            <a:schemeClr val="lt1"/>
-          </a:fontRef>
-        </p:style>
-        <p:txBody>
-          <a:bodyPr rtlCol="0" anchor="ctr"/>
-          <a:lstStyle/>
-          <a:p>
-            <a:pPr algn="ctr"/>
-            <a:endParaRPr lang="en-US" dirty="0"/>
-          </a:p>
-        </p:txBody>
-      </p:sp>
-      <p:sp>
-        <p:nvSpPr>
-          <p:cNvPr id="18" name="Rectangle 17">
-            <a:extLst>
-              <a:ext uri="{FF2B5EF4-FFF2-40B4-BE49-F238E27FC236}">
-                <a16:creationId xmlns:a16="http://schemas.microsoft.com/office/drawing/2014/main" id="{A8604849-FD7E-2543-8F05-D3A252A54D8A}"/>
-              </a:ext>
-            </a:extLst>
-          </p:cNvPr>
-          <p:cNvSpPr/>
-          <p:nvPr/>
-        </p:nvSpPr>
-        <p:spPr>
-          <a:xfrm>
-            <a:off x="7921296" y="3748511"/>
-            <a:ext cx="5629604" cy="169440"/>
-          </a:xfrm>
-          <a:prstGeom prst="rect">
-            <a:avLst/>
-          </a:prstGeom>
-          <a:solidFill>
-            <a:schemeClr val="accent1">
-              <a:lumMod val="60000"/>
-              <a:lumOff val="40000"/>
-              <a:alpha val="28000"/>
-            </a:schemeClr>
-          </a:solidFill>
-          <a:ln w="38100">
-            <a:solidFill>
-              <a:schemeClr val="accent1"/>
-            </a:solidFill>
-          </a:ln>
-          <a:effectLst/>
-        </p:spPr>
-        <p:style>
-          <a:lnRef idx="1">
-            <a:schemeClr val="accent1"/>
-          </a:lnRef>
-          <a:fillRef idx="3">
-            <a:schemeClr val="accent1"/>
-          </a:fillRef>
-          <a:effectRef idx="2">
-            <a:schemeClr val="accent1"/>
-          </a:effectRef>
-          <a:fontRef idx="minor">
-            <a:schemeClr val="lt1"/>
-          </a:fontRef>
-        </p:style>
-        <p:txBody>
-          <a:bodyPr rtlCol="0" anchor="ctr"/>
-          <a:lstStyle/>
-          <a:p>
-            <a:pPr algn="ctr"/>
-            <a:endParaRPr lang="en-US" dirty="0"/>
-          </a:p>
-        </p:txBody>
-      </p:sp>
-      <p:sp>
-        <p:nvSpPr>
-          <p:cNvPr id="19" name="Rectangle 18">
-            <a:extLst>
-              <a:ext uri="{FF2B5EF4-FFF2-40B4-BE49-F238E27FC236}">
-                <a16:creationId xmlns:a16="http://schemas.microsoft.com/office/drawing/2014/main" id="{A852B129-DC1B-C04A-B760-DC218DFE0A09}"/>
-              </a:ext>
-            </a:extLst>
-          </p:cNvPr>
-          <p:cNvSpPr/>
-          <p:nvPr/>
-        </p:nvSpPr>
-        <p:spPr>
-          <a:xfrm>
-            <a:off x="307646" y="3748511"/>
-            <a:ext cx="962354" cy="169440"/>
-          </a:xfrm>
-          <a:prstGeom prst="rect">
-            <a:avLst/>
-          </a:prstGeom>
-          <a:solidFill>
-            <a:schemeClr val="accent1">
-              <a:lumMod val="60000"/>
-              <a:lumOff val="40000"/>
-              <a:alpha val="28000"/>
-            </a:schemeClr>
-          </a:solidFill>
-          <a:ln w="38100">
-            <a:solidFill>
-              <a:schemeClr val="accent1"/>
-            </a:solidFill>
-          </a:ln>
-          <a:effectLst/>
-        </p:spPr>
-        <p:style>
-          <a:lnRef idx="1">
-            <a:schemeClr val="accent1"/>
-          </a:lnRef>
-          <a:fillRef idx="3">
-            <a:schemeClr val="accent1"/>
-          </a:fillRef>
-          <a:effectRef idx="2">
-            <a:schemeClr val="accent1"/>
-          </a:effectRef>
-          <a:fontRef idx="minor">
-            <a:schemeClr val="lt1"/>
-          </a:fontRef>
-        </p:style>
-        <p:txBody>
-          <a:bodyPr rtlCol="0" anchor="ctr"/>
-          <a:lstStyle/>
-          <a:p>
-            <a:pPr algn="ctr"/>
-            <a:endParaRPr lang="en-US" dirty="0"/>
-          </a:p>
-        </p:txBody>
-      </p:sp>
-      <p:sp>
-        <p:nvSpPr>
-          <p:cNvPr id="20" name="Rectangle 19">
-            <a:extLst>
-              <a:ext uri="{FF2B5EF4-FFF2-40B4-BE49-F238E27FC236}">
-                <a16:creationId xmlns:a16="http://schemas.microsoft.com/office/drawing/2014/main" id="{1DB0F0CF-7C9A-494E-850B-13B753F99217}"/>
-              </a:ext>
-            </a:extLst>
-          </p:cNvPr>
-          <p:cNvSpPr/>
-          <p:nvPr/>
-        </p:nvSpPr>
-        <p:spPr>
-          <a:xfrm>
-            <a:off x="307646" y="5139477"/>
-            <a:ext cx="962354" cy="169440"/>
-          </a:xfrm>
-          <a:prstGeom prst="rect">
-            <a:avLst/>
-          </a:prstGeom>
-          <a:solidFill>
-            <a:schemeClr val="accent1">
-              <a:lumMod val="60000"/>
-              <a:lumOff val="40000"/>
-              <a:alpha val="28000"/>
-            </a:schemeClr>
-          </a:solidFill>
-          <a:ln w="38100">
-            <a:solidFill>
-              <a:schemeClr val="accent1"/>
-            </a:solidFill>
-          </a:ln>
-          <a:effectLst/>
-        </p:spPr>
-        <p:style>
-          <a:lnRef idx="1">
-            <a:schemeClr val="accent1"/>
-          </a:lnRef>
-          <a:fillRef idx="3">
-            <a:schemeClr val="accent1"/>
-          </a:fillRef>
-          <a:effectRef idx="2">
-            <a:schemeClr val="accent1"/>
-          </a:effectRef>
-          <a:fontRef idx="minor">
-            <a:schemeClr val="lt1"/>
-          </a:fontRef>
-        </p:style>
-        <p:txBody>
-          <a:bodyPr rtlCol="0" anchor="ctr"/>
-          <a:lstStyle/>
-          <a:p>
-            <a:pPr algn="ctr"/>
-            <a:endParaRPr lang="en-US" dirty="0"/>
-          </a:p>
-        </p:txBody>
-      </p:sp>
-      <p:sp>
-        <p:nvSpPr>
-          <p:cNvPr id="22" name="Rectangle 21">
-            <a:extLst>
-              <a:ext uri="{FF2B5EF4-FFF2-40B4-BE49-F238E27FC236}">
-                <a16:creationId xmlns:a16="http://schemas.microsoft.com/office/drawing/2014/main" id="{EDBB2F98-FDD2-5C45-AF68-A39A04E0FABF}"/>
-              </a:ext>
-            </a:extLst>
-          </p:cNvPr>
-          <p:cNvSpPr/>
-          <p:nvPr/>
-        </p:nvSpPr>
-        <p:spPr>
-          <a:xfrm>
-            <a:off x="548640" y="3011947"/>
-            <a:ext cx="771104" cy="2829975"/>
-          </a:xfrm>
-          <a:prstGeom prst="rect">
-            <a:avLst/>
-          </a:prstGeom>
-          <a:solidFill>
-            <a:schemeClr val="accent1">
-              <a:lumMod val="60000"/>
-              <a:lumOff val="40000"/>
-              <a:alpha val="28000"/>
-            </a:schemeClr>
-          </a:solidFill>
-          <a:ln w="38100">
-            <a:solidFill>
-              <a:schemeClr val="accent1"/>
-            </a:solidFill>
-          </a:ln>
-          <a:effectLst/>
-        </p:spPr>
-        <p:style>
-          <a:lnRef idx="1">
-            <a:schemeClr val="accent1"/>
-          </a:lnRef>
-          <a:fillRef idx="3">
-            <a:schemeClr val="accent1"/>
-          </a:fillRef>
-          <a:effectRef idx="2">
-            <a:schemeClr val="accent1"/>
-          </a:effectRef>
-          <a:fontRef idx="minor">
-            <a:schemeClr val="lt1"/>
-          </a:fontRef>
-        </p:style>
-        <p:txBody>
-          <a:bodyPr rtlCol="0" anchor="ctr"/>
-          <a:lstStyle/>
-          <a:p>
-            <a:pPr algn="ctr"/>
-            <a:endParaRPr lang="en-US" dirty="0"/>
-          </a:p>
-        </p:txBody>
-      </p:sp>
-      <p:sp>
-        <p:nvSpPr>
-          <p:cNvPr id="23" name="Rectangle 22">
-            <a:extLst>
-              <a:ext uri="{FF2B5EF4-FFF2-40B4-BE49-F238E27FC236}">
-                <a16:creationId xmlns:a16="http://schemas.microsoft.com/office/drawing/2014/main" id="{F9B53797-4525-0C4E-82BC-A6CAAF403B93}"/>
-              </a:ext>
-            </a:extLst>
-          </p:cNvPr>
-          <p:cNvSpPr/>
-          <p:nvPr/>
-        </p:nvSpPr>
-        <p:spPr>
-          <a:xfrm>
-            <a:off x="12156746" y="1317354"/>
+            <a:off x="12156746" y="630368"/>
             <a:ext cx="1731888" cy="830997"/>
           </a:xfrm>
           <a:prstGeom prst="rect">
@@ -13094,8 +12883,8 @@
         </p:nvCxnSpPr>
         <p:spPr>
           <a:xfrm rot="5400000" flipH="1" flipV="1">
-            <a:off x="9542614" y="52535"/>
-            <a:ext cx="1384260" cy="5575892"/>
+            <a:off x="10150380" y="1557584"/>
+            <a:ext cx="2968528" cy="2776091"/>
           </a:xfrm>
           <a:prstGeom prst="bentConnector3">
             <a:avLst>
@@ -13138,7 +12927,7 @@
         </p:nvSpPr>
         <p:spPr>
           <a:xfrm>
-            <a:off x="307646" y="1688184"/>
+            <a:off x="277786" y="994556"/>
             <a:ext cx="11601175" cy="461665"/>
           </a:xfrm>
           <a:prstGeom prst="rect">
@@ -13163,7 +12952,7 @@
                   <a:schemeClr val="accent1"/>
                 </a:solidFill>
               </a:rPr>
-              <a:t>Termination notice. Instances will stop at 2019-04-29T18:28:32Z (2 minutes later)</a:t>
+              <a:t>Termination notice. Instances will stop at 2019-05-08T19:35:37Z (2 minutes later)</a:t>
             </a:r>
           </a:p>
         </p:txBody>
@@ -13179,19 +12968,19 @@
           </p:cNvPr>
           <p:cNvCxnSpPr>
             <a:cxnSpLocks/>
-            <a:stCxn id="19" idx="1"/>
-            <a:endCxn id="29" idx="1"/>
+            <a:stCxn id="19" idx="0"/>
+            <a:endCxn id="29" idx="2"/>
           </p:cNvCxnSpPr>
           <p:nvPr/>
         </p:nvCxnSpPr>
         <p:spPr>
-          <a:xfrm rot="10800000">
-            <a:off x="307646" y="1919017"/>
-            <a:ext cx="12700" cy="1914214"/>
+          <a:xfrm rot="5400000" flipH="1" flipV="1">
+            <a:off x="3600102" y="2255952"/>
+            <a:ext cx="3278003" cy="1678542"/>
           </a:xfrm>
           <a:prstGeom prst="bentConnector3">
             <a:avLst>
-              <a:gd name="adj1" fmla="val 1800000"/>
+              <a:gd name="adj1" fmla="val 50000"/>
             </a:avLst>
           </a:prstGeom>
           <a:ln w="38100">
@@ -13230,7 +13019,7 @@
         </p:nvSpPr>
         <p:spPr>
           <a:xfrm>
-            <a:off x="12156746" y="6211319"/>
+            <a:off x="9097458" y="6443403"/>
             <a:ext cx="1731888" cy="461665"/>
           </a:xfrm>
           <a:prstGeom prst="rect">
@@ -13278,12 +13067,12 @@
         </p:nvCxnSpPr>
         <p:spPr>
           <a:xfrm>
-            <a:off x="13550900" y="3833231"/>
-            <a:ext cx="337734" cy="2608921"/>
+            <a:off x="10397067" y="5117368"/>
+            <a:ext cx="432279" cy="1556868"/>
           </a:xfrm>
           <a:prstGeom prst="bentConnector3">
             <a:avLst>
-              <a:gd name="adj1" fmla="val 167686"/>
+              <a:gd name="adj1" fmla="val 152883"/>
             </a:avLst>
           </a:prstGeom>
           <a:ln w="38100">
@@ -13311,7 +13100,7 @@
     </p:spTree>
     <p:extLst>
       <p:ext uri="{BB962C8B-B14F-4D97-AF65-F5344CB8AC3E}">
-        <p14:creationId xmlns:p14="http://schemas.microsoft.com/office/powerpoint/2010/main" val="3116166711"/>
+        <p14:creationId xmlns:p14="http://schemas.microsoft.com/office/powerpoint/2010/main" val="1394359097"/>
       </p:ext>
     </p:extLst>
   </p:cSld>
@@ -13366,41 +13155,14 @@
                                 </p:cTn>
                               </p:par>
                               <p:par>
-                                <p:cTn id="7" presetID="1" presetClass="entr" presetSubtype="0" fill="hold" grpId="0" nodeType="withEffect">
-                                  <p:stCondLst>
-                                    <p:cond delay="0"/>
-                                  </p:stCondLst>
-                                  <p:childTnLst>
-                                    <p:set>
-                                      <p:cBhvr>
-                                        <p:cTn id="8" dur="1" fill="hold">
-                                          <p:stCondLst>
-                                            <p:cond delay="0"/>
-                                          </p:stCondLst>
-                                        </p:cTn>
-                                        <p:tgtEl>
-                                          <p:spTgt spid="14"/>
-                                        </p:tgtEl>
-                                        <p:attrNameLst>
-                                          <p:attrName>style.visibility</p:attrName>
-                                        </p:attrNameLst>
-                                      </p:cBhvr>
-                                      <p:to>
-                                        <p:strVal val="visible"/>
-                                      </p:to>
-                                    </p:set>
-                                  </p:childTnLst>
-                                </p:cTn>
-                              </p:par>
-                              <p:par>
-                                <p:cTn id="9" presetID="1" presetClass="entr" presetSubtype="0" fill="hold" nodeType="withEffect">
+                                <p:cTn id="7" presetID="1" presetClass="entr" presetSubtype="0" fill="hold" nodeType="withEffect">
                                   <p:stCondLst>
                                     <p:cond delay="250"/>
                                   </p:stCondLst>
                                   <p:childTnLst>
                                     <p:set>
                                       <p:cBhvr>
-                                        <p:cTn id="10" dur="1" fill="hold">
+                                        <p:cTn id="8" dur="1" fill="hold">
                                           <p:stCondLst>
                                             <p:cond delay="0"/>
                                           </p:stCondLst>
@@ -13420,14 +13182,14 @@
                                 </p:cTn>
                               </p:par>
                               <p:par>
-                                <p:cTn id="11" presetID="1" presetClass="entr" presetSubtype="0" fill="hold" grpId="0" nodeType="withEffect">
+                                <p:cTn id="9" presetID="1" presetClass="entr" presetSubtype="0" fill="hold" grpId="0" nodeType="withEffect">
                                   <p:stCondLst>
                                     <p:cond delay="500"/>
                                   </p:stCondLst>
                                   <p:childTnLst>
                                     <p:set>
                                       <p:cBhvr>
-                                        <p:cTn id="12" dur="1" fill="hold">
+                                        <p:cTn id="10" dur="1" fill="hold">
                                           <p:stCondLst>
                                             <p:cond delay="0"/>
                                           </p:stCondLst>
@@ -13446,87 +13208,15 @@
                                   </p:childTnLst>
                                 </p:cTn>
                               </p:par>
-                            </p:childTnLst>
-                          </p:cTn>
-                        </p:par>
-                      </p:childTnLst>
-                    </p:cTn>
-                  </p:par>
-                  <p:par>
-                    <p:cTn id="13" fill="hold">
-                      <p:stCondLst>
-                        <p:cond delay="indefinite"/>
-                      </p:stCondLst>
-                      <p:childTnLst>
-                        <p:par>
-                          <p:cTn id="14" fill="hold">
-                            <p:stCondLst>
-                              <p:cond delay="0"/>
-                            </p:stCondLst>
-                            <p:childTnLst>
                               <p:par>
-                                <p:cTn id="15" presetID="1" presetClass="entr" presetSubtype="0" fill="hold" grpId="0" nodeType="clickEffect">
+                                <p:cTn id="11" presetID="1" presetClass="entr" presetSubtype="0" fill="hold" grpId="0" nodeType="withEffect">
                                   <p:stCondLst>
                                     <p:cond delay="0"/>
                                   </p:stCondLst>
                                   <p:childTnLst>
                                     <p:set>
                                       <p:cBhvr>
-                                        <p:cTn id="16" dur="1" fill="hold">
-                                          <p:stCondLst>
-                                            <p:cond delay="0"/>
-                                          </p:stCondLst>
-                                        </p:cTn>
-                                        <p:tgtEl>
-                                          <p:spTgt spid="15"/>
-                                        </p:tgtEl>
-                                        <p:attrNameLst>
-                                          <p:attrName>style.visibility</p:attrName>
-                                        </p:attrNameLst>
-                                      </p:cBhvr>
-                                      <p:to>
-                                        <p:strVal val="visible"/>
-                                      </p:to>
-                                    </p:set>
-                                  </p:childTnLst>
-                                </p:cTn>
-                              </p:par>
-                              <p:par>
-                                <p:cTn id="17" presetID="1" presetClass="entr" presetSubtype="0" fill="hold" grpId="0" nodeType="withEffect">
-                                  <p:stCondLst>
-                                    <p:cond delay="0"/>
-                                  </p:stCondLst>
-                                  <p:childTnLst>
-                                    <p:set>
-                                      <p:cBhvr>
-                                        <p:cTn id="18" dur="1" fill="hold">
-                                          <p:stCondLst>
-                                            <p:cond delay="0"/>
-                                          </p:stCondLst>
-                                        </p:cTn>
-                                        <p:tgtEl>
-                                          <p:spTgt spid="16"/>
-                                        </p:tgtEl>
-                                        <p:attrNameLst>
-                                          <p:attrName>style.visibility</p:attrName>
-                                        </p:attrNameLst>
-                                      </p:cBhvr>
-                                      <p:to>
-                                        <p:strVal val="visible"/>
-                                      </p:to>
-                                    </p:set>
-                                  </p:childTnLst>
-                                </p:cTn>
-                              </p:par>
-                              <p:par>
-                                <p:cTn id="19" presetID="1" presetClass="entr" presetSubtype="0" fill="hold" grpId="0" nodeType="withEffect">
-                                  <p:stCondLst>
-                                    <p:cond delay="0"/>
-                                  </p:stCondLst>
-                                  <p:childTnLst>
-                                    <p:set>
-                                      <p:cBhvr>
-                                        <p:cTn id="20" dur="1" fill="hold">
+                                        <p:cTn id="12" dur="1" fill="hold">
                                           <p:stCondLst>
                                             <p:cond delay="0"/>
                                           </p:stCondLst>
@@ -13546,41 +13236,14 @@
                                 </p:cTn>
                               </p:par>
                               <p:par>
-                                <p:cTn id="21" presetID="1" presetClass="entr" presetSubtype="0" fill="hold" grpId="0" nodeType="withEffect">
-                                  <p:stCondLst>
-                                    <p:cond delay="0"/>
-                                  </p:stCondLst>
-                                  <p:childTnLst>
-                                    <p:set>
-                                      <p:cBhvr>
-                                        <p:cTn id="22" dur="1" fill="hold">
-                                          <p:stCondLst>
-                                            <p:cond delay="0"/>
-                                          </p:stCondLst>
-                                        </p:cTn>
-                                        <p:tgtEl>
-                                          <p:spTgt spid="20"/>
-                                        </p:tgtEl>
-                                        <p:attrNameLst>
-                                          <p:attrName>style.visibility</p:attrName>
-                                        </p:attrNameLst>
-                                      </p:cBhvr>
-                                      <p:to>
-                                        <p:strVal val="visible"/>
-                                      </p:to>
-                                    </p:set>
-                                  </p:childTnLst>
-                                </p:cTn>
-                              </p:par>
-                              <p:par>
-                                <p:cTn id="23" presetID="1" presetClass="entr" presetSubtype="0" fill="hold" nodeType="withEffect">
+                                <p:cTn id="13" presetID="1" presetClass="entr" presetSubtype="0" fill="hold" nodeType="withEffect">
                                   <p:stCondLst>
                                     <p:cond delay="250"/>
                                   </p:stCondLst>
                                   <p:childTnLst>
                                     <p:set>
                                       <p:cBhvr>
-                                        <p:cTn id="24" dur="1" fill="hold">
+                                        <p:cTn id="14" dur="1" fill="hold">
                                           <p:stCondLst>
                                             <p:cond delay="0"/>
                                           </p:stCondLst>
@@ -13600,14 +13263,14 @@
                                 </p:cTn>
                               </p:par>
                               <p:par>
-                                <p:cTn id="25" presetID="1" presetClass="entr" presetSubtype="0" fill="hold" grpId="0" nodeType="withEffect">
+                                <p:cTn id="15" presetID="1" presetClass="entr" presetSubtype="0" fill="hold" grpId="0" nodeType="withEffect">
                                   <p:stCondLst>
                                     <p:cond delay="500"/>
                                   </p:stCondLst>
                                   <p:childTnLst>
                                     <p:set>
                                       <p:cBhvr>
-                                        <p:cTn id="26" dur="1" fill="hold">
+                                        <p:cTn id="16" dur="1" fill="hold">
                                           <p:stCondLst>
                                             <p:cond delay="0"/>
                                           </p:stCondLst>
@@ -13633,26 +13296,26 @@
                     </p:cTn>
                   </p:par>
                   <p:par>
-                    <p:cTn id="27" fill="hold">
+                    <p:cTn id="17" fill="hold">
                       <p:stCondLst>
                         <p:cond delay="indefinite"/>
                       </p:stCondLst>
                       <p:childTnLst>
                         <p:par>
-                          <p:cTn id="28" fill="hold">
+                          <p:cTn id="18" fill="hold">
                             <p:stCondLst>
                               <p:cond delay="0"/>
                             </p:stCondLst>
                             <p:childTnLst>
                               <p:par>
-                                <p:cTn id="29" presetID="1" presetClass="entr" presetSubtype="0" fill="hold" grpId="0" nodeType="clickEffect">
+                                <p:cTn id="19" presetID="1" presetClass="entr" presetSubtype="0" fill="hold" grpId="0" nodeType="clickEffect">
                                   <p:stCondLst>
                                     <p:cond delay="0"/>
                                   </p:stCondLst>
                                   <p:childTnLst>
                                     <p:set>
                                       <p:cBhvr>
-                                        <p:cTn id="30" dur="1" fill="hold">
+                                        <p:cTn id="20" dur="1" fill="hold">
                                           <p:stCondLst>
                                             <p:cond delay="0"/>
                                           </p:stCondLst>
@@ -13672,41 +13335,14 @@
                                 </p:cTn>
                               </p:par>
                               <p:par>
-                                <p:cTn id="31" presetID="1" presetClass="entr" presetSubtype="0" fill="hold" grpId="0" nodeType="withEffect">
-                                  <p:stCondLst>
-                                    <p:cond delay="0"/>
-                                  </p:stCondLst>
-                                  <p:childTnLst>
-                                    <p:set>
-                                      <p:cBhvr>
-                                        <p:cTn id="32" dur="1" fill="hold">
-                                          <p:stCondLst>
-                                            <p:cond delay="0"/>
-                                          </p:stCondLst>
-                                        </p:cTn>
-                                        <p:tgtEl>
-                                          <p:spTgt spid="17"/>
-                                        </p:tgtEl>
-                                        <p:attrNameLst>
-                                          <p:attrName>style.visibility</p:attrName>
-                                        </p:attrNameLst>
-                                      </p:cBhvr>
-                                      <p:to>
-                                        <p:strVal val="visible"/>
-                                      </p:to>
-                                    </p:set>
-                                  </p:childTnLst>
-                                </p:cTn>
-                              </p:par>
-                              <p:par>
-                                <p:cTn id="33" presetID="1" presetClass="entr" presetSubtype="0" fill="hold" nodeType="withEffect">
+                                <p:cTn id="21" presetID="1" presetClass="entr" presetSubtype="0" fill="hold" nodeType="withEffect">
                                   <p:stCondLst>
                                     <p:cond delay="250"/>
                                   </p:stCondLst>
                                   <p:childTnLst>
                                     <p:set>
                                       <p:cBhvr>
-                                        <p:cTn id="34" dur="1" fill="hold">
+                                        <p:cTn id="22" dur="1" fill="hold">
                                           <p:stCondLst>
                                             <p:cond delay="0"/>
                                           </p:stCondLst>
@@ -13726,14 +13362,14 @@
                                 </p:cTn>
                               </p:par>
                               <p:par>
-                                <p:cTn id="35" presetID="1" presetClass="entr" presetSubtype="0" fill="hold" grpId="0" nodeType="withEffect">
+                                <p:cTn id="23" presetID="1" presetClass="entr" presetSubtype="0" fill="hold" grpId="0" nodeType="withEffect">
                                   <p:stCondLst>
                                     <p:cond delay="500"/>
                                   </p:stCondLst>
                                   <p:childTnLst>
                                     <p:set>
                                       <p:cBhvr>
-                                        <p:cTn id="36" dur="1" fill="hold">
+                                        <p:cTn id="24" dur="1" fill="hold">
                                           <p:stCondLst>
                                             <p:cond delay="0"/>
                                           </p:stCondLst>
@@ -13759,26 +13395,26 @@
                     </p:cTn>
                   </p:par>
                   <p:par>
-                    <p:cTn id="37" fill="hold">
+                    <p:cTn id="25" fill="hold">
                       <p:stCondLst>
                         <p:cond delay="indefinite"/>
                       </p:stCondLst>
                       <p:childTnLst>
                         <p:par>
-                          <p:cTn id="38" fill="hold">
+                          <p:cTn id="26" fill="hold">
                             <p:stCondLst>
                               <p:cond delay="0"/>
                             </p:stCondLst>
                             <p:childTnLst>
                               <p:par>
-                                <p:cTn id="39" presetID="1" presetClass="entr" presetSubtype="0" fill="hold" grpId="0" nodeType="clickEffect">
+                                <p:cTn id="27" presetID="1" presetClass="entr" presetSubtype="0" fill="hold" grpId="0" nodeType="clickEffect">
                                   <p:stCondLst>
                                     <p:cond delay="0"/>
                                   </p:stCondLst>
                                   <p:childTnLst>
                                     <p:set>
                                       <p:cBhvr>
-                                        <p:cTn id="40" dur="1" fill="hold">
+                                        <p:cTn id="28" dur="1" fill="hold">
                                           <p:stCondLst>
                                             <p:cond delay="0"/>
                                           </p:stCondLst>
@@ -13798,14 +13434,14 @@
                                 </p:cTn>
                               </p:par>
                               <p:par>
-                                <p:cTn id="41" presetID="1" presetClass="entr" presetSubtype="0" fill="hold" grpId="0" nodeType="withEffect">
+                                <p:cTn id="29" presetID="1" presetClass="entr" presetSubtype="0" fill="hold" grpId="0" nodeType="withEffect">
                                   <p:stCondLst>
                                     <p:cond delay="250"/>
                                   </p:stCondLst>
                                   <p:childTnLst>
                                     <p:set>
                                       <p:cBhvr>
-                                        <p:cTn id="42" dur="1" fill="hold">
+                                        <p:cTn id="30" dur="1" fill="hold">
                                           <p:stCondLst>
                                             <p:cond delay="0"/>
                                           </p:stCondLst>
@@ -13825,14 +13461,14 @@
                                 </p:cTn>
                               </p:par>
                               <p:par>
-                                <p:cTn id="43" presetID="1" presetClass="entr" presetSubtype="0" fill="hold" grpId="0" nodeType="withEffect">
+                                <p:cTn id="31" presetID="1" presetClass="entr" presetSubtype="0" fill="hold" grpId="0" nodeType="withEffect">
                                   <p:stCondLst>
                                     <p:cond delay="500"/>
                                   </p:stCondLst>
                                   <p:childTnLst>
                                     <p:set>
                                       <p:cBhvr>
-                                        <p:cTn id="44" dur="1" fill="hold">
+                                        <p:cTn id="32" dur="1" fill="hold">
                                           <p:stCondLst>
                                             <p:cond delay="0"/>
                                           </p:stCondLst>
@@ -13882,13 +13518,8 @@
       <p:bldP spid="10" grpId="0"/>
       <p:bldP spid="11" grpId="0" animBg="1"/>
       <p:bldP spid="13" grpId="0" animBg="1"/>
-      <p:bldP spid="14" grpId="0" animBg="1"/>
-      <p:bldP spid="15" grpId="0" animBg="1"/>
-      <p:bldP spid="16" grpId="0" animBg="1"/>
-      <p:bldP spid="17" grpId="0" animBg="1"/>
       <p:bldP spid="18" grpId="0" animBg="1"/>
       <p:bldP spid="19" grpId="0" animBg="1"/>
-      <p:bldP spid="20" grpId="0" animBg="1"/>
       <p:bldP spid="22" grpId="0" animBg="1"/>
       <p:bldP spid="23" grpId="0" animBg="1"/>
       <p:bldP spid="29" grpId="0" animBg="1"/>
@@ -13917,10 +13548,10 @@
       </p:grpSpPr>
       <p:pic>
         <p:nvPicPr>
-          <p:cNvPr id="5" name="Picture 4">
+          <p:cNvPr id="2" name="Picture 1">
             <a:extLst>
               <a:ext uri="{FF2B5EF4-FFF2-40B4-BE49-F238E27FC236}">
-                <a16:creationId xmlns:a16="http://schemas.microsoft.com/office/drawing/2014/main" id="{A9266AD3-6D78-1147-87C5-4725653A0727}"/>
+                <a16:creationId xmlns:a16="http://schemas.microsoft.com/office/drawing/2014/main" id="{A2C6F5FC-69F8-8145-8DDD-2FCE2B4FFAB6}"/>
               </a:ext>
             </a:extLst>
           </p:cNvPr>
@@ -13930,15 +13561,15 @@
           <p:nvPr/>
         </p:nvPicPr>
         <p:blipFill>
-          <a:blip r:embed="rId2"/>
+          <a:blip r:embed="rId3"/>
           <a:stretch>
             <a:fillRect/>
           </a:stretch>
         </p:blipFill>
         <p:spPr>
           <a:xfrm>
-            <a:off x="3220278" y="898741"/>
-            <a:ext cx="9055772" cy="7112198"/>
+            <a:off x="2203453" y="962379"/>
+            <a:ext cx="10755522" cy="6159655"/>
           </a:xfrm>
           <a:prstGeom prst="rect">
             <a:avLst/>
@@ -13968,7 +13599,7 @@
           <a:p>
             <a:r>
               <a:rPr lang="en-US" dirty="0"/>
-              <a:t>EC2 Instance CloudWatch Logs</a:t>
+              <a:t>Watchdog CloudWatch Logs</a:t>
             </a:r>
           </a:p>
         </p:txBody>
@@ -13987,8 +13618,8 @@
         </p:nvSpPr>
         <p:spPr>
           <a:xfrm>
-            <a:off x="10303132" y="7206223"/>
-            <a:ext cx="1882242" cy="208367"/>
+            <a:off x="10134265" y="6145632"/>
+            <a:ext cx="2042918" cy="271043"/>
           </a:xfrm>
           <a:prstGeom prst="rect">
             <a:avLst/>
@@ -14032,10 +13663,10 @@
       </p:sp>
       <p:sp>
         <p:nvSpPr>
-          <p:cNvPr id="9" name="Rectangle 8">
+          <p:cNvPr id="10" name="Rectangle 9">
             <a:extLst>
               <a:ext uri="{FF2B5EF4-FFF2-40B4-BE49-F238E27FC236}">
-                <a16:creationId xmlns:a16="http://schemas.microsoft.com/office/drawing/2014/main" id="{0ACE2B7F-5155-D747-A72B-750350887A59}"/>
+                <a16:creationId xmlns:a16="http://schemas.microsoft.com/office/drawing/2014/main" id="{04A2C7DB-BBFA-A241-9CD3-5B89879237A0}"/>
               </a:ext>
             </a:extLst>
           </p:cNvPr>
@@ -14044,8 +13675,8 @@
         </p:nvSpPr>
         <p:spPr>
           <a:xfrm>
-            <a:off x="5570848" y="7414590"/>
-            <a:ext cx="2032587" cy="188845"/>
+            <a:off x="8027425" y="6374874"/>
+            <a:ext cx="1918085" cy="279925"/>
           </a:xfrm>
           <a:prstGeom prst="rect">
             <a:avLst/>
@@ -14089,10 +13720,10 @@
       </p:sp>
       <p:sp>
         <p:nvSpPr>
-          <p:cNvPr id="10" name="Rectangle 9">
+          <p:cNvPr id="11" name="Rectangle 10">
             <a:extLst>
               <a:ext uri="{FF2B5EF4-FFF2-40B4-BE49-F238E27FC236}">
-                <a16:creationId xmlns:a16="http://schemas.microsoft.com/office/drawing/2014/main" id="{04A2C7DB-BBFA-A241-9CD3-5B89879237A0}"/>
+                <a16:creationId xmlns:a16="http://schemas.microsoft.com/office/drawing/2014/main" id="{C9BA21DA-E8E8-A945-8524-F114622FA7B3}"/>
               </a:ext>
             </a:extLst>
           </p:cNvPr>
@@ -14101,8 +13732,8 @@
         </p:nvSpPr>
         <p:spPr>
           <a:xfrm>
-            <a:off x="8436631" y="7395067"/>
-            <a:ext cx="1104934" cy="208368"/>
+            <a:off x="6759862" y="973271"/>
+            <a:ext cx="1808403" cy="250729"/>
           </a:xfrm>
           <a:prstGeom prst="rect">
             <a:avLst/>
@@ -14146,10 +13777,10 @@
       </p:sp>
       <p:sp>
         <p:nvSpPr>
-          <p:cNvPr id="11" name="Rectangle 10">
+          <p:cNvPr id="12" name="Rectangle 11">
             <a:extLst>
               <a:ext uri="{FF2B5EF4-FFF2-40B4-BE49-F238E27FC236}">
-                <a16:creationId xmlns:a16="http://schemas.microsoft.com/office/drawing/2014/main" id="{C9BA21DA-E8E8-A945-8524-F114622FA7B3}"/>
+                <a16:creationId xmlns:a16="http://schemas.microsoft.com/office/drawing/2014/main" id="{E9DCBD00-DA4A-D640-99BE-D2839D3256A3}"/>
               </a:ext>
             </a:extLst>
           </p:cNvPr>
@@ -14158,64 +13789,7 @@
         </p:nvSpPr>
         <p:spPr>
           <a:xfrm>
-            <a:off x="6554389" y="898741"/>
-            <a:ext cx="1665272" cy="189279"/>
-          </a:xfrm>
-          <a:prstGeom prst="rect">
-            <a:avLst/>
-          </a:prstGeom>
-          <a:solidFill>
-            <a:schemeClr val="accent1">
-              <a:lumMod val="60000"/>
-              <a:lumOff val="40000"/>
-              <a:alpha val="28000"/>
-            </a:schemeClr>
-          </a:solidFill>
-          <a:ln w="38100">
-            <a:solidFill>
-              <a:schemeClr val="accent1"/>
-            </a:solidFill>
-          </a:ln>
-          <a:effectLst/>
-        </p:spPr>
-        <p:style>
-          <a:lnRef idx="1">
-            <a:schemeClr val="accent1"/>
-          </a:lnRef>
-          <a:fillRef idx="3">
-            <a:schemeClr val="accent1"/>
-          </a:fillRef>
-          <a:effectRef idx="2">
-            <a:schemeClr val="accent1"/>
-          </a:effectRef>
-          <a:fontRef idx="minor">
-            <a:schemeClr val="lt1"/>
-          </a:fontRef>
-        </p:style>
-        <p:txBody>
-          <a:bodyPr rtlCol="0" anchor="ctr"/>
-          <a:lstStyle/>
-          <a:p>
-            <a:pPr algn="ctr"/>
-            <a:endParaRPr lang="en-US" dirty="0"/>
-          </a:p>
-        </p:txBody>
-      </p:sp>
-      <p:sp>
-        <p:nvSpPr>
-          <p:cNvPr id="12" name="Rectangle 11">
-            <a:extLst>
-              <a:ext uri="{FF2B5EF4-FFF2-40B4-BE49-F238E27FC236}">
-                <a16:creationId xmlns:a16="http://schemas.microsoft.com/office/drawing/2014/main" id="{E9DCBD00-DA4A-D640-99BE-D2839D3256A3}"/>
-              </a:ext>
-            </a:extLst>
-          </p:cNvPr>
-          <p:cNvSpPr/>
-          <p:nvPr/>
-        </p:nvSpPr>
-        <p:spPr>
-          <a:xfrm>
-            <a:off x="8561305" y="1207290"/>
+            <a:off x="8856933" y="236524"/>
             <a:ext cx="1731888" cy="461665"/>
           </a:xfrm>
           <a:prstGeom prst="rect">
@@ -14259,7 +13833,7 @@
         </p:nvSpPr>
         <p:spPr>
           <a:xfrm>
-            <a:off x="12584163" y="6077898"/>
+            <a:off x="11392411" y="7217622"/>
             <a:ext cx="1913928" cy="830997"/>
           </a:xfrm>
           <a:prstGeom prst="rect">
@@ -14303,7 +13877,7 @@
         </p:nvSpPr>
         <p:spPr>
           <a:xfrm>
-            <a:off x="349386" y="5514679"/>
+            <a:off x="134897" y="5545467"/>
             <a:ext cx="1913928" cy="1200329"/>
           </a:xfrm>
           <a:prstGeom prst="rect">
@@ -14343,15 +13917,16 @@
             </a:extLst>
           </p:cNvPr>
           <p:cNvCxnSpPr>
-            <a:stCxn id="11" idx="3"/>
-            <a:endCxn id="12" idx="0"/>
+            <a:cxnSpLocks/>
+            <a:stCxn id="11" idx="0"/>
+            <a:endCxn id="12" idx="1"/>
           </p:cNvCxnSpPr>
           <p:nvPr/>
         </p:nvCxnSpPr>
         <p:spPr>
-          <a:xfrm>
-            <a:off x="8219661" y="993381"/>
-            <a:ext cx="1207588" cy="213909"/>
+          <a:xfrm rot="5400000" flipH="1" flipV="1">
+            <a:off x="8007541" y="123880"/>
+            <a:ext cx="505914" cy="1192869"/>
           </a:xfrm>
           <a:prstGeom prst="bentConnector2">
             <a:avLst/>
@@ -14396,8 +13971,8 @@
         </p:nvCxnSpPr>
         <p:spPr>
           <a:xfrm>
-            <a:off x="2263314" y="6114844"/>
-            <a:ext cx="6725784" cy="1280223"/>
+            <a:off x="2048825" y="6145632"/>
+            <a:ext cx="6937643" cy="229242"/>
           </a:xfrm>
           <a:prstGeom prst="bentConnector2">
             <a:avLst/>
@@ -14435,15 +14010,15 @@
           </p:cNvPr>
           <p:cNvCxnSpPr>
             <a:cxnSpLocks/>
-            <a:stCxn id="8" idx="0"/>
+            <a:stCxn id="8" idx="2"/>
             <a:endCxn id="13" idx="1"/>
           </p:cNvCxnSpPr>
           <p:nvPr/>
         </p:nvCxnSpPr>
         <p:spPr>
-          <a:xfrm rot="5400000" flipH="1" flipV="1">
-            <a:off x="11557795" y="6179855"/>
-            <a:ext cx="712826" cy="1339910"/>
+          <a:xfrm rot="16200000" flipH="1">
+            <a:off x="10665844" y="6906554"/>
+            <a:ext cx="1216446" cy="236687"/>
           </a:xfrm>
           <a:prstGeom prst="bentConnector2">
             <a:avLst/>
@@ -14473,7 +14048,7 @@
     </p:spTree>
     <p:extLst>
       <p:ext uri="{BB962C8B-B14F-4D97-AF65-F5344CB8AC3E}">
-        <p14:creationId xmlns:p14="http://schemas.microsoft.com/office/powerpoint/2010/main" val="504597128"/>
+        <p14:creationId xmlns:p14="http://schemas.microsoft.com/office/powerpoint/2010/main" val="1670068640"/>
       </p:ext>
     </p:extLst>
   </p:cSld>
@@ -14712,33 +14287,6 @@
                                           </p:stCondLst>
                                         </p:cTn>
                                         <p:tgtEl>
-                                          <p:spTgt spid="9"/>
-                                        </p:tgtEl>
-                                        <p:attrNameLst>
-                                          <p:attrName>style.visibility</p:attrName>
-                                        </p:attrNameLst>
-                                      </p:cBhvr>
-                                      <p:to>
-                                        <p:strVal val="visible"/>
-                                      </p:to>
-                                    </p:set>
-                                  </p:childTnLst>
-                                </p:cTn>
-                              </p:par>
-                              <p:par>
-                                <p:cTn id="23" presetID="1" presetClass="entr" presetSubtype="0" fill="hold" grpId="0" nodeType="withEffect">
-                                  <p:stCondLst>
-                                    <p:cond delay="0"/>
-                                  </p:stCondLst>
-                                  <p:childTnLst>
-                                    <p:set>
-                                      <p:cBhvr>
-                                        <p:cTn id="24" dur="1" fill="hold">
-                                          <p:stCondLst>
-                                            <p:cond delay="0"/>
-                                          </p:stCondLst>
-                                        </p:cTn>
-                                        <p:tgtEl>
                                           <p:spTgt spid="10"/>
                                         </p:tgtEl>
                                         <p:attrNameLst>
@@ -14753,14 +14301,14 @@
                                 </p:cTn>
                               </p:par>
                               <p:par>
-                                <p:cTn id="25" presetID="1" presetClass="entr" presetSubtype="0" fill="hold" nodeType="withEffect">
+                                <p:cTn id="23" presetID="1" presetClass="entr" presetSubtype="0" fill="hold" nodeType="withEffect">
                                   <p:stCondLst>
                                     <p:cond delay="250"/>
                                   </p:stCondLst>
                                   <p:childTnLst>
                                     <p:set>
                                       <p:cBhvr>
-                                        <p:cTn id="26" dur="1" fill="hold">
+                                        <p:cTn id="24" dur="1" fill="hold">
                                           <p:stCondLst>
                                             <p:cond delay="0"/>
                                           </p:stCondLst>
@@ -14780,14 +14328,14 @@
                                 </p:cTn>
                               </p:par>
                               <p:par>
-                                <p:cTn id="27" presetID="1" presetClass="entr" presetSubtype="0" fill="hold" grpId="0" nodeType="withEffect">
+                                <p:cTn id="25" presetID="1" presetClass="entr" presetSubtype="0" fill="hold" grpId="0" nodeType="withEffect">
                                   <p:stCondLst>
                                     <p:cond delay="500"/>
                                   </p:stCondLst>
                                   <p:childTnLst>
                                     <p:set>
                                       <p:cBhvr>
-                                        <p:cTn id="28" dur="1" fill="hold">
+                                        <p:cTn id="26" dur="1" fill="hold">
                                           <p:stCondLst>
                                             <p:cond delay="0"/>
                                           </p:stCondLst>
@@ -14835,7 +14383,6 @@
     </p:tnLst>
     <p:bldLst>
       <p:bldP spid="8" grpId="0" animBg="1"/>
-      <p:bldP spid="9" grpId="0" animBg="1"/>
       <p:bldP spid="10" grpId="0" animBg="1"/>
       <p:bldP spid="11" grpId="0" animBg="1"/>
       <p:bldP spid="12" grpId="0" animBg="1"/>
@@ -14863,12 +14410,40 @@
           <a:chExt cx="0" cy="0"/>
         </a:xfrm>
       </p:grpSpPr>
+      <p:sp>
+        <p:nvSpPr>
+          <p:cNvPr id="6" name="Title 5">
+            <a:extLst>
+              <a:ext uri="{FF2B5EF4-FFF2-40B4-BE49-F238E27FC236}">
+                <a16:creationId xmlns:a16="http://schemas.microsoft.com/office/drawing/2014/main" id="{A9E04787-CB71-7E4B-ABFC-028B210FFE31}"/>
+              </a:ext>
+            </a:extLst>
+          </p:cNvPr>
+          <p:cNvSpPr>
+            <a:spLocks noGrp="1"/>
+          </p:cNvSpPr>
+          <p:nvPr>
+            <p:ph type="title"/>
+          </p:nvPr>
+        </p:nvSpPr>
+        <p:spPr/>
+        <p:txBody>
+          <a:bodyPr/>
+          <a:lstStyle/>
+          <a:p>
+            <a:r>
+              <a:rPr lang="en-US" dirty="0"/>
+              <a:t>App CloudWatch Logs</a:t>
+            </a:r>
+          </a:p>
+        </p:txBody>
+      </p:sp>
       <p:pic>
         <p:nvPicPr>
           <p:cNvPr id="3" name="Picture 2">
             <a:extLst>
               <a:ext uri="{FF2B5EF4-FFF2-40B4-BE49-F238E27FC236}">
-                <a16:creationId xmlns:a16="http://schemas.microsoft.com/office/drawing/2014/main" id="{DD8F8521-EED7-CF4C-A5F8-10A3A88D80E8}"/>
+                <a16:creationId xmlns:a16="http://schemas.microsoft.com/office/drawing/2014/main" id="{722DC20E-2B2D-9B49-BB09-A728EF9A3494}"/>
               </a:ext>
             </a:extLst>
           </p:cNvPr>
@@ -14885,8 +14460,8 @@
         </p:blipFill>
         <p:spPr>
           <a:xfrm>
-            <a:off x="3250095" y="882073"/>
-            <a:ext cx="9054547" cy="7200521"/>
+            <a:off x="2559050" y="983426"/>
+            <a:ext cx="9512300" cy="6616700"/>
           </a:xfrm>
           <a:prstGeom prst="rect">
             <a:avLst/>
@@ -14895,38 +14470,10 @@
       </p:pic>
       <p:sp>
         <p:nvSpPr>
-          <p:cNvPr id="4" name="Title 3">
+          <p:cNvPr id="15" name="Rectangle 14">
             <a:extLst>
               <a:ext uri="{FF2B5EF4-FFF2-40B4-BE49-F238E27FC236}">
-                <a16:creationId xmlns:a16="http://schemas.microsoft.com/office/drawing/2014/main" id="{59806F08-4F03-4A45-B48A-4B1CCE62E7E9}"/>
-              </a:ext>
-            </a:extLst>
-          </p:cNvPr>
-          <p:cNvSpPr>
-            <a:spLocks noGrp="1"/>
-          </p:cNvSpPr>
-          <p:nvPr>
-            <p:ph type="title"/>
-          </p:nvPr>
-        </p:nvSpPr>
-        <p:spPr/>
-        <p:txBody>
-          <a:bodyPr/>
-          <a:lstStyle/>
-          <a:p>
-            <a:r>
-              <a:rPr lang="en-US" dirty="0"/>
-              <a:t>EC2 Instance CloudWatch Logs</a:t>
-            </a:r>
-          </a:p>
-        </p:txBody>
-      </p:sp>
-      <p:sp>
-        <p:nvSpPr>
-          <p:cNvPr id="11" name="Rectangle 10">
-            <a:extLst>
-              <a:ext uri="{FF2B5EF4-FFF2-40B4-BE49-F238E27FC236}">
-                <a16:creationId xmlns:a16="http://schemas.microsoft.com/office/drawing/2014/main" id="{7BBA7AF1-DB67-CB4D-B468-3AEB8D75BB85}"/>
+                <a16:creationId xmlns:a16="http://schemas.microsoft.com/office/drawing/2014/main" id="{58FD01CA-1CEA-954E-9467-5FB5B1E34C58}"/>
               </a:ext>
             </a:extLst>
           </p:cNvPr>
@@ -14935,8 +14482,8 @@
         </p:nvSpPr>
         <p:spPr>
           <a:xfrm>
-            <a:off x="10342888" y="7226101"/>
-            <a:ext cx="1882242" cy="208367"/>
+            <a:off x="7040082" y="1061759"/>
+            <a:ext cx="1808403" cy="250729"/>
           </a:xfrm>
           <a:prstGeom prst="rect">
             <a:avLst/>
@@ -14980,10 +14527,10 @@
       </p:sp>
       <p:sp>
         <p:nvSpPr>
-          <p:cNvPr id="12" name="Rectangle 11">
+          <p:cNvPr id="18" name="Rectangle 17">
             <a:extLst>
               <a:ext uri="{FF2B5EF4-FFF2-40B4-BE49-F238E27FC236}">
-                <a16:creationId xmlns:a16="http://schemas.microsoft.com/office/drawing/2014/main" id="{092C1571-F105-1B41-8B11-93DA3B485B24}"/>
+                <a16:creationId xmlns:a16="http://schemas.microsoft.com/office/drawing/2014/main" id="{C39CD076-8C63-204A-AED7-9DA610AAB2F8}"/>
               </a:ext>
             </a:extLst>
           </p:cNvPr>
@@ -14992,8 +14539,98 @@
         </p:nvSpPr>
         <p:spPr>
           <a:xfrm>
-            <a:off x="5640421" y="7454346"/>
-            <a:ext cx="2032587" cy="188845"/>
+            <a:off x="9137153" y="325012"/>
+            <a:ext cx="1731888" cy="461665"/>
+          </a:xfrm>
+          <a:prstGeom prst="rect">
+            <a:avLst/>
+          </a:prstGeom>
+          <a:ln w="38100">
+            <a:solidFill>
+              <a:schemeClr val="accent1"/>
+            </a:solidFill>
+          </a:ln>
+        </p:spPr>
+        <p:txBody>
+          <a:bodyPr wrap="square">
+            <a:spAutoFit/>
+          </a:bodyPr>
+          <a:lstStyle/>
+          <a:p>
+            <a:pPr algn="ctr"/>
+            <a:r>
+              <a:rPr lang="en-US" sz="2400" dirty="0">
+                <a:solidFill>
+                  <a:schemeClr val="accent1"/>
+                </a:solidFill>
+              </a:rPr>
+              <a:t>Instance id</a:t>
+            </a:r>
+          </a:p>
+        </p:txBody>
+      </p:sp>
+      <p:cxnSp>
+        <p:nvCxnSpPr>
+          <p:cNvPr id="19" name="Straight Connector 15">
+            <a:extLst>
+              <a:ext uri="{FF2B5EF4-FFF2-40B4-BE49-F238E27FC236}">
+                <a16:creationId xmlns:a16="http://schemas.microsoft.com/office/drawing/2014/main" id="{59D8D717-57CD-9440-A905-B3F978132EAB}"/>
+              </a:ext>
+            </a:extLst>
+          </p:cNvPr>
+          <p:cNvCxnSpPr>
+            <a:cxnSpLocks/>
+            <a:stCxn id="15" idx="0"/>
+            <a:endCxn id="18" idx="1"/>
+          </p:cNvCxnSpPr>
+          <p:nvPr/>
+        </p:nvCxnSpPr>
+        <p:spPr>
+          <a:xfrm rot="5400000" flipH="1" flipV="1">
+            <a:off x="8287761" y="212368"/>
+            <a:ext cx="505914" cy="1192869"/>
+          </a:xfrm>
+          <a:prstGeom prst="bentConnector2">
+            <a:avLst/>
+          </a:prstGeom>
+          <a:ln w="38100">
+            <a:solidFill>
+              <a:schemeClr val="accent1"/>
+            </a:solidFill>
+          </a:ln>
+          <a:effectLst/>
+        </p:spPr>
+        <p:style>
+          <a:lnRef idx="2">
+            <a:schemeClr val="accent1"/>
+          </a:lnRef>
+          <a:fillRef idx="0">
+            <a:schemeClr val="accent1"/>
+          </a:fillRef>
+          <a:effectRef idx="1">
+            <a:schemeClr val="accent1"/>
+          </a:effectRef>
+          <a:fontRef idx="minor">
+            <a:schemeClr val="tx1"/>
+          </a:fontRef>
+        </p:style>
+      </p:cxnSp>
+      <p:sp>
+        <p:nvSpPr>
+          <p:cNvPr id="21" name="Rectangle 20">
+            <a:extLst>
+              <a:ext uri="{FF2B5EF4-FFF2-40B4-BE49-F238E27FC236}">
+                <a16:creationId xmlns:a16="http://schemas.microsoft.com/office/drawing/2014/main" id="{F9292BC7-4B0C-3745-9169-FEE510C1558A}"/>
+              </a:ext>
+            </a:extLst>
+          </p:cNvPr>
+          <p:cNvSpPr/>
+          <p:nvPr/>
+        </p:nvSpPr>
+        <p:spPr>
+          <a:xfrm>
+            <a:off x="5392438" y="6028231"/>
+            <a:ext cx="4813446" cy="313576"/>
           </a:xfrm>
           <a:prstGeom prst="rect">
             <a:avLst/>
@@ -15037,10 +14674,10 @@
       </p:sp>
       <p:sp>
         <p:nvSpPr>
-          <p:cNvPr id="13" name="Rectangle 12">
+          <p:cNvPr id="22" name="Rectangle 21">
             <a:extLst>
               <a:ext uri="{FF2B5EF4-FFF2-40B4-BE49-F238E27FC236}">
-                <a16:creationId xmlns:a16="http://schemas.microsoft.com/office/drawing/2014/main" id="{FDB6039C-21FD-6047-B6CD-F5D3D24CB0A4}"/>
+                <a16:creationId xmlns:a16="http://schemas.microsoft.com/office/drawing/2014/main" id="{4FF3A957-8C47-574C-84F0-B2EEDAFC61B3}"/>
               </a:ext>
             </a:extLst>
           </p:cNvPr>
@@ -15049,8 +14686,100 @@
         </p:nvSpPr>
         <p:spPr>
           <a:xfrm>
-            <a:off x="8506204" y="7434823"/>
-            <a:ext cx="1104934" cy="208368"/>
+            <a:off x="12480499" y="4911331"/>
+            <a:ext cx="1913928" cy="830997"/>
+          </a:xfrm>
+          <a:prstGeom prst="rect">
+            <a:avLst/>
+          </a:prstGeom>
+          <a:ln w="38100">
+            <a:solidFill>
+              <a:schemeClr val="accent1"/>
+            </a:solidFill>
+          </a:ln>
+        </p:spPr>
+        <p:txBody>
+          <a:bodyPr wrap="square">
+            <a:spAutoFit/>
+          </a:bodyPr>
+          <a:lstStyle/>
+          <a:p>
+            <a:pPr algn="ctr"/>
+            <a:r>
+              <a:rPr lang="en-US" sz="2400" dirty="0">
+                <a:solidFill>
+                  <a:schemeClr val="accent1"/>
+                </a:solidFill>
+              </a:rPr>
+              <a:t>Watchdog notifies app</a:t>
+            </a:r>
+          </a:p>
+        </p:txBody>
+      </p:sp>
+      <p:cxnSp>
+        <p:nvCxnSpPr>
+          <p:cNvPr id="23" name="Straight Connector 15">
+            <a:extLst>
+              <a:ext uri="{FF2B5EF4-FFF2-40B4-BE49-F238E27FC236}">
+                <a16:creationId xmlns:a16="http://schemas.microsoft.com/office/drawing/2014/main" id="{ECCD8369-89EF-7A43-A8D5-2A759E9A860C}"/>
+              </a:ext>
+            </a:extLst>
+          </p:cNvPr>
+          <p:cNvCxnSpPr>
+            <a:cxnSpLocks/>
+            <a:stCxn id="21" idx="3"/>
+            <a:endCxn id="22" idx="1"/>
+          </p:cNvCxnSpPr>
+          <p:nvPr/>
+        </p:nvCxnSpPr>
+        <p:spPr>
+          <a:xfrm flipV="1">
+            <a:off x="10205884" y="5326830"/>
+            <a:ext cx="2274615" cy="858189"/>
+          </a:xfrm>
+          <a:prstGeom prst="bentConnector3">
+            <a:avLst>
+              <a:gd name="adj1" fmla="val 50000"/>
+            </a:avLst>
+          </a:prstGeom>
+          <a:ln w="38100">
+            <a:solidFill>
+              <a:schemeClr val="accent1"/>
+            </a:solidFill>
+          </a:ln>
+          <a:effectLst/>
+        </p:spPr>
+        <p:style>
+          <a:lnRef idx="2">
+            <a:schemeClr val="accent1"/>
+          </a:lnRef>
+          <a:fillRef idx="0">
+            <a:schemeClr val="accent1"/>
+          </a:fillRef>
+          <a:effectRef idx="1">
+            <a:schemeClr val="accent1"/>
+          </a:effectRef>
+          <a:fontRef idx="minor">
+            <a:schemeClr val="tx1"/>
+          </a:fontRef>
+        </p:style>
+      </p:cxnSp>
+      <p:sp>
+        <p:nvSpPr>
+          <p:cNvPr id="26" name="Rectangle 25">
+            <a:extLst>
+              <a:ext uri="{FF2B5EF4-FFF2-40B4-BE49-F238E27FC236}">
+                <a16:creationId xmlns:a16="http://schemas.microsoft.com/office/drawing/2014/main" id="{37828130-2B4C-374B-85DC-9C5ED96F6389}"/>
+              </a:ext>
+            </a:extLst>
+          </p:cNvPr>
+          <p:cNvSpPr/>
+          <p:nvPr/>
+        </p:nvSpPr>
+        <p:spPr>
+          <a:xfrm>
+            <a:off x="5392439" y="6581249"/>
+            <a:ext cx="6020628" cy="508526"/>
           </a:xfrm>
           <a:prstGeom prst="rect">
             <a:avLst/>
@@ -15094,10 +14823,10 @@
       </p:sp>
       <p:sp>
         <p:nvSpPr>
-          <p:cNvPr id="14" name="Rectangle 13">
+          <p:cNvPr id="27" name="Rectangle 26">
             <a:extLst>
               <a:ext uri="{FF2B5EF4-FFF2-40B4-BE49-F238E27FC236}">
-                <a16:creationId xmlns:a16="http://schemas.microsoft.com/office/drawing/2014/main" id="{7F645361-7A59-FB43-B4BE-83FE56361E4C}"/>
+                <a16:creationId xmlns:a16="http://schemas.microsoft.com/office/drawing/2014/main" id="{F2184FEE-D645-B943-B2BF-2673A96F5560}"/>
               </a:ext>
             </a:extLst>
           </p:cNvPr>
@@ -15106,74 +14835,17 @@
         </p:nvSpPr>
         <p:spPr>
           <a:xfrm>
-            <a:off x="6604084" y="908680"/>
-            <a:ext cx="1665272" cy="189279"/>
+            <a:off x="134897" y="6410816"/>
+            <a:ext cx="2180600" cy="831693"/>
           </a:xfrm>
           <a:prstGeom prst="rect">
             <a:avLst/>
           </a:prstGeom>
-          <a:solidFill>
-            <a:schemeClr val="accent1">
-              <a:lumMod val="60000"/>
-              <a:lumOff val="40000"/>
-              <a:alpha val="28000"/>
-            </a:schemeClr>
-          </a:solidFill>
           <a:ln w="38100">
             <a:solidFill>
               <a:schemeClr val="accent1"/>
             </a:solidFill>
           </a:ln>
-          <a:effectLst/>
-        </p:spPr>
-        <p:style>
-          <a:lnRef idx="1">
-            <a:schemeClr val="accent1"/>
-          </a:lnRef>
-          <a:fillRef idx="3">
-            <a:schemeClr val="accent1"/>
-          </a:fillRef>
-          <a:effectRef idx="2">
-            <a:schemeClr val="accent1"/>
-          </a:effectRef>
-          <a:fontRef idx="minor">
-            <a:schemeClr val="lt1"/>
-          </a:fontRef>
-        </p:style>
-        <p:txBody>
-          <a:bodyPr rtlCol="0" anchor="ctr"/>
-          <a:lstStyle/>
-          <a:p>
-            <a:pPr algn="ctr"/>
-            <a:endParaRPr lang="en-US" dirty="0"/>
-          </a:p>
-        </p:txBody>
-      </p:sp>
-      <p:sp>
-        <p:nvSpPr>
-          <p:cNvPr id="15" name="Rectangle 14">
-            <a:extLst>
-              <a:ext uri="{FF2B5EF4-FFF2-40B4-BE49-F238E27FC236}">
-                <a16:creationId xmlns:a16="http://schemas.microsoft.com/office/drawing/2014/main" id="{A70A437B-7EED-CA47-A04C-9DD1043C72AA}"/>
-              </a:ext>
-            </a:extLst>
-          </p:cNvPr>
-          <p:cNvSpPr/>
-          <p:nvPr/>
-        </p:nvSpPr>
-        <p:spPr>
-          <a:xfrm>
-            <a:off x="8611000" y="1217229"/>
-            <a:ext cx="1731888" cy="461665"/>
-          </a:xfrm>
-          <a:prstGeom prst="rect">
-            <a:avLst/>
-          </a:prstGeom>
-          <a:ln w="38100">
-            <a:solidFill>
-              <a:schemeClr val="accent1"/>
-            </a:solidFill>
-          </a:ln>
         </p:spPr>
         <p:txBody>
           <a:bodyPr wrap="square">
@@ -15188,212 +14860,33 @@
                   <a:schemeClr val="accent1"/>
                 </a:solidFill>
               </a:rPr>
-              <a:t>Instance id</a:t>
-            </a:r>
-          </a:p>
-        </p:txBody>
-      </p:sp>
-      <p:sp>
-        <p:nvSpPr>
-          <p:cNvPr id="16" name="Rectangle 15">
-            <a:extLst>
-              <a:ext uri="{FF2B5EF4-FFF2-40B4-BE49-F238E27FC236}">
-                <a16:creationId xmlns:a16="http://schemas.microsoft.com/office/drawing/2014/main" id="{2E9C8456-DD02-9D4C-8544-2136A027FD1A}"/>
-              </a:ext>
-            </a:extLst>
-          </p:cNvPr>
-          <p:cNvSpPr/>
-          <p:nvPr/>
-        </p:nvSpPr>
-        <p:spPr>
-          <a:xfrm>
-            <a:off x="12623919" y="6097776"/>
-            <a:ext cx="1913928" cy="830997"/>
-          </a:xfrm>
-          <a:prstGeom prst="rect">
-            <a:avLst/>
-          </a:prstGeom>
-          <a:ln w="38100">
-            <a:solidFill>
-              <a:schemeClr val="accent1"/>
-            </a:solidFill>
-          </a:ln>
-        </p:spPr>
-        <p:txBody>
-          <a:bodyPr wrap="square">
-            <a:spAutoFit/>
-          </a:bodyPr>
-          <a:lstStyle/>
-          <a:p>
-            <a:pPr algn="ctr"/>
-            <a:r>
-              <a:rPr lang="en-US" sz="2400" dirty="0">
-                <a:solidFill>
-                  <a:schemeClr val="accent1"/>
-                </a:solidFill>
-              </a:rPr>
-              <a:t>Termination time</a:t>
-            </a:r>
-          </a:p>
-        </p:txBody>
-      </p:sp>
-      <p:sp>
-        <p:nvSpPr>
-          <p:cNvPr id="17" name="Rectangle 16">
-            <a:extLst>
-              <a:ext uri="{FF2B5EF4-FFF2-40B4-BE49-F238E27FC236}">
-                <a16:creationId xmlns:a16="http://schemas.microsoft.com/office/drawing/2014/main" id="{148E1EBE-9C91-BD4E-AF51-6FA3F25CC84A}"/>
-              </a:ext>
-            </a:extLst>
-          </p:cNvPr>
-          <p:cNvSpPr/>
-          <p:nvPr/>
-        </p:nvSpPr>
-        <p:spPr>
-          <a:xfrm>
-            <a:off x="418959" y="5544496"/>
-            <a:ext cx="1913928" cy="1200329"/>
-          </a:xfrm>
-          <a:prstGeom prst="rect">
-            <a:avLst/>
-          </a:prstGeom>
-          <a:ln w="38100">
-            <a:solidFill>
-              <a:schemeClr val="accent1"/>
-            </a:solidFill>
-          </a:ln>
-        </p:spPr>
-        <p:txBody>
-          <a:bodyPr wrap="square">
-            <a:spAutoFit/>
-          </a:bodyPr>
-          <a:lstStyle/>
-          <a:p>
-            <a:pPr algn="ctr"/>
-            <a:r>
-              <a:rPr lang="en-US" sz="2400" dirty="0">
-                <a:solidFill>
-                  <a:schemeClr val="accent1"/>
-                </a:solidFill>
-              </a:rPr>
-              <a:t>Time to save state and stop</a:t>
+              <a:t>App stops and save state</a:t>
             </a:r>
           </a:p>
         </p:txBody>
       </p:sp>
       <p:cxnSp>
         <p:nvCxnSpPr>
-          <p:cNvPr id="18" name="Straight Connector 15">
+          <p:cNvPr id="28" name="Straight Connector 15">
             <a:extLst>
               <a:ext uri="{FF2B5EF4-FFF2-40B4-BE49-F238E27FC236}">
-                <a16:creationId xmlns:a16="http://schemas.microsoft.com/office/drawing/2014/main" id="{DDA0C77C-9571-FE41-8752-CDBACEAC75F6}"/>
+                <a16:creationId xmlns:a16="http://schemas.microsoft.com/office/drawing/2014/main" id="{1E8FF55C-B5F6-5D44-A57D-482619FA14B5}"/>
               </a:ext>
             </a:extLst>
           </p:cNvPr>
           <p:cNvCxnSpPr>
-            <a:stCxn id="14" idx="3"/>
-            <a:endCxn id="15" idx="0"/>
+            <a:cxnSpLocks/>
+            <a:stCxn id="27" idx="3"/>
+            <a:endCxn id="26" idx="1"/>
           </p:cNvCxnSpPr>
           <p:nvPr/>
         </p:nvCxnSpPr>
         <p:spPr>
           <a:xfrm>
-            <a:off x="8269356" y="1003320"/>
-            <a:ext cx="1207588" cy="213909"/>
-          </a:xfrm>
-          <a:prstGeom prst="bentConnector2">
-            <a:avLst/>
-          </a:prstGeom>
-          <a:ln w="38100">
-            <a:solidFill>
-              <a:schemeClr val="accent1"/>
-            </a:solidFill>
-          </a:ln>
-          <a:effectLst/>
-        </p:spPr>
-        <p:style>
-          <a:lnRef idx="2">
-            <a:schemeClr val="accent1"/>
-          </a:lnRef>
-          <a:fillRef idx="0">
-            <a:schemeClr val="accent1"/>
-          </a:fillRef>
-          <a:effectRef idx="1">
-            <a:schemeClr val="accent1"/>
-          </a:effectRef>
-          <a:fontRef idx="minor">
-            <a:schemeClr val="tx1"/>
-          </a:fontRef>
-        </p:style>
-      </p:cxnSp>
-      <p:cxnSp>
-        <p:nvCxnSpPr>
-          <p:cNvPr id="19" name="Straight Connector 15">
-            <a:extLst>
-              <a:ext uri="{FF2B5EF4-FFF2-40B4-BE49-F238E27FC236}">
-                <a16:creationId xmlns:a16="http://schemas.microsoft.com/office/drawing/2014/main" id="{D251B610-68CD-9948-9EA1-26402A0C2432}"/>
-              </a:ext>
-            </a:extLst>
-          </p:cNvPr>
-          <p:cNvCxnSpPr>
-            <a:cxnSpLocks/>
-            <a:stCxn id="17" idx="3"/>
-            <a:endCxn id="13" idx="0"/>
-          </p:cNvCxnSpPr>
-          <p:nvPr/>
-        </p:nvCxnSpPr>
-        <p:spPr>
-          <a:xfrm>
-            <a:off x="2332887" y="6144661"/>
-            <a:ext cx="6725784" cy="1290162"/>
-          </a:xfrm>
-          <a:prstGeom prst="bentConnector2">
-            <a:avLst/>
-          </a:prstGeom>
-          <a:ln w="38100">
-            <a:solidFill>
-              <a:schemeClr val="accent1"/>
-            </a:solidFill>
-          </a:ln>
-          <a:effectLst/>
-        </p:spPr>
-        <p:style>
-          <a:lnRef idx="2">
-            <a:schemeClr val="accent1"/>
-          </a:lnRef>
-          <a:fillRef idx="0">
-            <a:schemeClr val="accent1"/>
-          </a:fillRef>
-          <a:effectRef idx="1">
-            <a:schemeClr val="accent1"/>
-          </a:effectRef>
-          <a:fontRef idx="minor">
-            <a:schemeClr val="tx1"/>
-          </a:fontRef>
-        </p:style>
-      </p:cxnSp>
-      <p:cxnSp>
-        <p:nvCxnSpPr>
-          <p:cNvPr id="20" name="Straight Connector 15">
-            <a:extLst>
-              <a:ext uri="{FF2B5EF4-FFF2-40B4-BE49-F238E27FC236}">
-                <a16:creationId xmlns:a16="http://schemas.microsoft.com/office/drawing/2014/main" id="{EF8BF2D2-F6E9-844F-A1FC-55573D17226B}"/>
-              </a:ext>
-            </a:extLst>
-          </p:cNvPr>
-          <p:cNvCxnSpPr>
-            <a:cxnSpLocks/>
-            <a:stCxn id="11" idx="0"/>
-            <a:endCxn id="16" idx="1"/>
-          </p:cNvCxnSpPr>
-          <p:nvPr/>
-        </p:nvCxnSpPr>
-        <p:spPr>
-          <a:xfrm rot="5400000" flipH="1" flipV="1">
-            <a:off x="11597551" y="6199733"/>
-            <a:ext cx="712826" cy="1339910"/>
-          </a:xfrm>
-          <a:prstGeom prst="bentConnector2">
+            <a:off x="2315497" y="6826663"/>
+            <a:ext cx="3076942" cy="8849"/>
+          </a:xfrm>
+          <a:prstGeom prst="straightConnector1">
             <a:avLst/>
           </a:prstGeom>
           <a:ln w="38100">
@@ -15421,7 +14914,7 @@
     </p:spTree>
     <p:extLst>
       <p:ext uri="{BB962C8B-B14F-4D97-AF65-F5344CB8AC3E}">
-        <p14:creationId xmlns:p14="http://schemas.microsoft.com/office/powerpoint/2010/main" val="4286647022"/>
+        <p14:creationId xmlns:p14="http://schemas.microsoft.com/office/powerpoint/2010/main" val="1103575052"/>
       </p:ext>
     </p:extLst>
   </p:cSld>
@@ -15462,7 +14955,7 @@
                                           </p:stCondLst>
                                         </p:cTn>
                                         <p:tgtEl>
-                                          <p:spTgt spid="14"/>
+                                          <p:spTgt spid="15"/>
                                         </p:tgtEl>
                                         <p:attrNameLst>
                                           <p:attrName>style.visibility</p:attrName>
@@ -15489,7 +14982,7 @@
                                           </p:stCondLst>
                                         </p:cTn>
                                         <p:tgtEl>
-                                          <p:spTgt spid="18"/>
+                                          <p:spTgt spid="19"/>
                                         </p:tgtEl>
                                         <p:attrNameLst>
                                           <p:attrName>style.visibility</p:attrName>
@@ -15516,7 +15009,7 @@
                                           </p:stCondLst>
                                         </p:cTn>
                                         <p:tgtEl>
-                                          <p:spTgt spid="15"/>
+                                          <p:spTgt spid="18"/>
                                         </p:tgtEl>
                                         <p:attrNameLst>
                                           <p:attrName>style.visibility</p:attrName>
@@ -15561,7 +15054,7 @@
                                           </p:stCondLst>
                                         </p:cTn>
                                         <p:tgtEl>
-                                          <p:spTgt spid="11"/>
+                                          <p:spTgt spid="21"/>
                                         </p:tgtEl>
                                         <p:attrNameLst>
                                           <p:attrName>style.visibility</p:attrName>
@@ -15588,7 +15081,7 @@
                                           </p:stCondLst>
                                         </p:cTn>
                                         <p:tgtEl>
-                                          <p:spTgt spid="20"/>
+                                          <p:spTgt spid="23"/>
                                         </p:tgtEl>
                                         <p:attrNameLst>
                                           <p:attrName>style.visibility</p:attrName>
@@ -15615,7 +15108,7 @@
                                           </p:stCondLst>
                                         </p:cTn>
                                         <p:tgtEl>
-                                          <p:spTgt spid="16"/>
+                                          <p:spTgt spid="22"/>
                                         </p:tgtEl>
                                         <p:attrNameLst>
                                           <p:attrName>style.visibility</p:attrName>
@@ -15660,7 +15153,7 @@
                                           </p:stCondLst>
                                         </p:cTn>
                                         <p:tgtEl>
-                                          <p:spTgt spid="12"/>
+                                          <p:spTgt spid="26"/>
                                         </p:tgtEl>
                                         <p:attrNameLst>
                                           <p:attrName>style.visibility</p:attrName>
@@ -15674,9 +15167,9 @@
                                 </p:cTn>
                               </p:par>
                               <p:par>
-                                <p:cTn id="23" presetID="1" presetClass="entr" presetSubtype="0" fill="hold" grpId="0" nodeType="withEffect">
+                                <p:cTn id="23" presetID="1" presetClass="entr" presetSubtype="0" fill="hold" nodeType="withEffect">
                                   <p:stCondLst>
-                                    <p:cond delay="0"/>
+                                    <p:cond delay="250"/>
                                   </p:stCondLst>
                                   <p:childTnLst>
                                     <p:set>
@@ -15687,7 +15180,7 @@
                                           </p:stCondLst>
                                         </p:cTn>
                                         <p:tgtEl>
-                                          <p:spTgt spid="13"/>
+                                          <p:spTgt spid="28"/>
                                         </p:tgtEl>
                                         <p:attrNameLst>
                                           <p:attrName>style.visibility</p:attrName>
@@ -15701,9 +15194,9 @@
                                 </p:cTn>
                               </p:par>
                               <p:par>
-                                <p:cTn id="25" presetID="1" presetClass="entr" presetSubtype="0" fill="hold" nodeType="withEffect">
+                                <p:cTn id="25" presetID="1" presetClass="entr" presetSubtype="0" fill="hold" grpId="0" nodeType="withEffect">
                                   <p:stCondLst>
-                                    <p:cond delay="250"/>
+                                    <p:cond delay="500"/>
                                   </p:stCondLst>
                                   <p:childTnLst>
                                     <p:set>
@@ -15714,34 +15207,7 @@
                                           </p:stCondLst>
                                         </p:cTn>
                                         <p:tgtEl>
-                                          <p:spTgt spid="19"/>
-                                        </p:tgtEl>
-                                        <p:attrNameLst>
-                                          <p:attrName>style.visibility</p:attrName>
-                                        </p:attrNameLst>
-                                      </p:cBhvr>
-                                      <p:to>
-                                        <p:strVal val="visible"/>
-                                      </p:to>
-                                    </p:set>
-                                  </p:childTnLst>
-                                </p:cTn>
-                              </p:par>
-                              <p:par>
-                                <p:cTn id="27" presetID="1" presetClass="entr" presetSubtype="0" fill="hold" grpId="0" nodeType="withEffect">
-                                  <p:stCondLst>
-                                    <p:cond delay="500"/>
-                                  </p:stCondLst>
-                                  <p:childTnLst>
-                                    <p:set>
-                                      <p:cBhvr>
-                                        <p:cTn id="28" dur="1" fill="hold">
-                                          <p:stCondLst>
-                                            <p:cond delay="0"/>
-                                          </p:stCondLst>
-                                        </p:cTn>
-                                        <p:tgtEl>
-                                          <p:spTgt spid="17"/>
+                                          <p:spTgt spid="27"/>
                                         </p:tgtEl>
                                         <p:attrNameLst>
                                           <p:attrName>style.visibility</p:attrName>
@@ -15782,13 +15248,12 @@
       </p:par>
     </p:tnLst>
     <p:bldLst>
-      <p:bldP spid="11" grpId="0" animBg="1"/>
-      <p:bldP spid="12" grpId="0" animBg="1"/>
-      <p:bldP spid="13" grpId="0" animBg="1"/>
-      <p:bldP spid="14" grpId="0" animBg="1"/>
       <p:bldP spid="15" grpId="0" animBg="1"/>
-      <p:bldP spid="16" grpId="0" animBg="1"/>
-      <p:bldP spid="17" grpId="0" animBg="1"/>
+      <p:bldP spid="18" grpId="0" animBg="1"/>
+      <p:bldP spid="21" grpId="0" animBg="1"/>
+      <p:bldP spid="22" grpId="0" animBg="1"/>
+      <p:bldP spid="26" grpId="0" animBg="1"/>
+      <p:bldP spid="27" grpId="0" animBg="1"/>
     </p:bldLst>
   </p:timing>
 </p:sld>
@@ -16710,15 +16175,6 @@
 </file>
 
 <file path=customXml/item2.xml><?xml version="1.0" encoding="utf-8"?>
-<?mso-contentType ?>
-<FormTemplates xmlns="http://schemas.microsoft.com/sharepoint/v3/contenttype/forms">
-  <Display>DocumentLibraryForm</Display>
-  <Edit>DocumentLibraryForm</Edit>
-  <New>DocumentLibraryForm</New>
-</FormTemplates>
-</file>
-
-<file path=customXml/item3.xml><?xml version="1.0" encoding="utf-8"?>
 <ct:contentTypeSchema xmlns:ct="http://schemas.microsoft.com/office/2006/metadata/contentType" xmlns:ma="http://schemas.microsoft.com/office/2006/metadata/properties/metaAttributes" ct:_="" ma:_="" ma:contentTypeName="Document" ma:contentTypeID="0x010100D26A3D6C04DFD740953BA1B2B9E62D60" ma:contentTypeVersion="0" ma:contentTypeDescription="Create a new document." ma:contentTypeScope="" ma:versionID="26617cd14cd3af163c0e97ff614e520a">
   <xsd:schema xmlns:xsd="http://www.w3.org/2001/XMLSchema" xmlns:xs="http://www.w3.org/2001/XMLSchema" xmlns:p="http://schemas.microsoft.com/office/2006/metadata/properties" targetNamespace="http://schemas.microsoft.com/office/2006/metadata/properties" ma:root="true" ma:fieldsID="c64490b4aec6201516c3a874156f37b2">
     <xsd:element name="properties">
@@ -16832,6 +16288,15 @@
 </ct:contentTypeSchema>
 </file>
 
+<file path=customXml/item3.xml><?xml version="1.0" encoding="utf-8"?>
+<?mso-contentType ?>
+<FormTemplates xmlns="http://schemas.microsoft.com/sharepoint/v3/contenttype/forms">
+  <Display>DocumentLibraryForm</Display>
+  <Edit>DocumentLibraryForm</Edit>
+  <New>DocumentLibraryForm</New>
+</FormTemplates>
+</file>
+
 <file path=customXml/itemProps1.xml><?xml version="1.0" encoding="utf-8"?>
 <ds:datastoreItem xmlns:ds="http://schemas.openxmlformats.org/officeDocument/2006/customXml" ds:itemID="{C597C89A-FD0C-431E-81F6-90225B937683}">
   <ds:schemaRefs>
@@ -16848,14 +16313,6 @@
 </file>
 
 <file path=customXml/itemProps2.xml><?xml version="1.0" encoding="utf-8"?>
-<ds:datastoreItem xmlns:ds="http://schemas.openxmlformats.org/officeDocument/2006/customXml" ds:itemID="{705B35A6-8B52-46A5-AE45-B98C6459DC10}">
-  <ds:schemaRefs>
-    <ds:schemaRef ds:uri="http://schemas.microsoft.com/sharepoint/v3/contenttype/forms"/>
-  </ds:schemaRefs>
-</ds:datastoreItem>
-</file>
-
-<file path=customXml/itemProps3.xml><?xml version="1.0" encoding="utf-8"?>
 <ds:datastoreItem xmlns:ds="http://schemas.openxmlformats.org/officeDocument/2006/customXml" ds:itemID="{51A3258A-222C-4488-825E-7520D001FB75}">
   <ds:schemaRefs>
     <ds:schemaRef ds:uri="http://schemas.microsoft.com/office/2006/metadata/contentType"/>
@@ -16869,4 +16326,12 @@
     <ds:schemaRef ds:uri="http://schemas.microsoft.com/office/infopath/2007/PartnerControls"/>
   </ds:schemaRefs>
 </ds:datastoreItem>
+</file>
+
+<file path=customXml/itemProps3.xml><?xml version="1.0" encoding="utf-8"?>
+<ds:datastoreItem xmlns:ds="http://schemas.openxmlformats.org/officeDocument/2006/customXml" ds:itemID="{705B35A6-8B52-46A5-AE45-B98C6459DC10}">
+  <ds:schemaRefs>
+    <ds:schemaRef ds:uri="http://schemas.microsoft.com/sharepoint/v3/contenttype/forms"/>
+  </ds:schemaRefs>
+</ds:datastoreItem>
 </file>